--- a/src/logo/Export-RecipientPermissions Logo.pptx
+++ b/src/logo/Export-RecipientPermissions Logo.pptx
@@ -272,7 +272,7 @@
           <a:p>
             <a:fld id="{C11841D6-B7FC-4F74-87D2-69F6AB48AF83}" type="datetimeFigureOut">
               <a:rPr lang="de-AT" smtClean="0"/>
-              <a:t>06.09.2021</a:t>
+              <a:t>18.09.2022</a:t>
             </a:fld>
             <a:endParaRPr lang="de-AT"/>
           </a:p>
@@ -472,7 +472,7 @@
           <a:p>
             <a:fld id="{C11841D6-B7FC-4F74-87D2-69F6AB48AF83}" type="datetimeFigureOut">
               <a:rPr lang="de-AT" smtClean="0"/>
-              <a:t>06.09.2021</a:t>
+              <a:t>18.09.2022</a:t>
             </a:fld>
             <a:endParaRPr lang="de-AT"/>
           </a:p>
@@ -682,7 +682,7 @@
           <a:p>
             <a:fld id="{C11841D6-B7FC-4F74-87D2-69F6AB48AF83}" type="datetimeFigureOut">
               <a:rPr lang="de-AT" smtClean="0"/>
-              <a:t>06.09.2021</a:t>
+              <a:t>18.09.2022</a:t>
             </a:fld>
             <a:endParaRPr lang="de-AT"/>
           </a:p>
@@ -882,7 +882,7 @@
           <a:p>
             <a:fld id="{C11841D6-B7FC-4F74-87D2-69F6AB48AF83}" type="datetimeFigureOut">
               <a:rPr lang="de-AT" smtClean="0"/>
-              <a:t>06.09.2021</a:t>
+              <a:t>18.09.2022</a:t>
             </a:fld>
             <a:endParaRPr lang="de-AT"/>
           </a:p>
@@ -1158,7 +1158,7 @@
           <a:p>
             <a:fld id="{C11841D6-B7FC-4F74-87D2-69F6AB48AF83}" type="datetimeFigureOut">
               <a:rPr lang="de-AT" smtClean="0"/>
-              <a:t>06.09.2021</a:t>
+              <a:t>18.09.2022</a:t>
             </a:fld>
             <a:endParaRPr lang="de-AT"/>
           </a:p>
@@ -1426,7 +1426,7 @@
           <a:p>
             <a:fld id="{C11841D6-B7FC-4F74-87D2-69F6AB48AF83}" type="datetimeFigureOut">
               <a:rPr lang="de-AT" smtClean="0"/>
-              <a:t>06.09.2021</a:t>
+              <a:t>18.09.2022</a:t>
             </a:fld>
             <a:endParaRPr lang="de-AT"/>
           </a:p>
@@ -1841,7 +1841,7 @@
           <a:p>
             <a:fld id="{C11841D6-B7FC-4F74-87D2-69F6AB48AF83}" type="datetimeFigureOut">
               <a:rPr lang="de-AT" smtClean="0"/>
-              <a:t>06.09.2021</a:t>
+              <a:t>18.09.2022</a:t>
             </a:fld>
             <a:endParaRPr lang="de-AT"/>
           </a:p>
@@ -1983,7 +1983,7 @@
           <a:p>
             <a:fld id="{C11841D6-B7FC-4F74-87D2-69F6AB48AF83}" type="datetimeFigureOut">
               <a:rPr lang="de-AT" smtClean="0"/>
-              <a:t>06.09.2021</a:t>
+              <a:t>18.09.2022</a:t>
             </a:fld>
             <a:endParaRPr lang="de-AT"/>
           </a:p>
@@ -2096,7 +2096,7 @@
           <a:p>
             <a:fld id="{C11841D6-B7FC-4F74-87D2-69F6AB48AF83}" type="datetimeFigureOut">
               <a:rPr lang="de-AT" smtClean="0"/>
-              <a:t>06.09.2021</a:t>
+              <a:t>18.09.2022</a:t>
             </a:fld>
             <a:endParaRPr lang="de-AT"/>
           </a:p>
@@ -2409,7 +2409,7 @@
           <a:p>
             <a:fld id="{C11841D6-B7FC-4F74-87D2-69F6AB48AF83}" type="datetimeFigureOut">
               <a:rPr lang="de-AT" smtClean="0"/>
-              <a:t>06.09.2021</a:t>
+              <a:t>18.09.2022</a:t>
             </a:fld>
             <a:endParaRPr lang="de-AT"/>
           </a:p>
@@ -2698,7 +2698,7 @@
           <a:p>
             <a:fld id="{C11841D6-B7FC-4F74-87D2-69F6AB48AF83}" type="datetimeFigureOut">
               <a:rPr lang="de-AT" smtClean="0"/>
-              <a:t>06.09.2021</a:t>
+              <a:t>18.09.2022</a:t>
             </a:fld>
             <a:endParaRPr lang="de-AT"/>
           </a:p>
@@ -2941,7 +2941,7 @@
           <a:p>
             <a:fld id="{C11841D6-B7FC-4F74-87D2-69F6AB48AF83}" type="datetimeFigureOut">
               <a:rPr lang="de-AT" smtClean="0"/>
-              <a:t>06.09.2021</a:t>
+              <a:t>18.09.2022</a:t>
             </a:fld>
             <a:endParaRPr lang="de-AT"/>
           </a:p>
@@ -3360,10 +3360,10 @@
       </p:grpSpPr>
       <p:grpSp>
         <p:nvGrpSpPr>
-          <p:cNvPr id="5" name="Gruppieren 4">
-            <a:extLst>
-              <a:ext uri="{FF2B5EF4-FFF2-40B4-BE49-F238E27FC236}">
-                <a16:creationId xmlns:a16="http://schemas.microsoft.com/office/drawing/2014/main" id="{559633E2-B3D3-484D-AF1A-8BDC479DB339}"/>
+          <p:cNvPr id="7" name="Gruppieren 6">
+            <a:extLst>
+              <a:ext uri="{FF2B5EF4-FFF2-40B4-BE49-F238E27FC236}">
+                <a16:creationId xmlns:a16="http://schemas.microsoft.com/office/drawing/2014/main" id="{2C7544AB-02BF-2A7A-A4FA-CE7047C01E4B}"/>
               </a:ext>
             </a:extLst>
           </p:cNvPr>
@@ -3372,10 +3372,10 @@
         </p:nvGrpSpPr>
         <p:grpSpPr>
           <a:xfrm>
-            <a:off x="1767840" y="2479052"/>
-            <a:ext cx="8656320" cy="2425398"/>
-            <a:chOff x="1767840" y="2479052"/>
-            <a:chExt cx="8656320" cy="2425398"/>
+            <a:off x="642425" y="2275230"/>
+            <a:ext cx="10907150" cy="2629220"/>
+            <a:chOff x="642425" y="2275230"/>
+            <a:chExt cx="10907150" cy="2629220"/>
           </a:xfrm>
         </p:grpSpPr>
         <p:sp>
@@ -3392,8 +3392,8 @@
           </p:nvSpPr>
           <p:spPr>
             <a:xfrm>
-              <a:off x="1767840" y="3673344"/>
-              <a:ext cx="8656320" cy="1231106"/>
+              <a:off x="642425" y="3673344"/>
+              <a:ext cx="10907150" cy="1231106"/>
             </a:xfrm>
             <a:prstGeom prst="rect">
               <a:avLst/>
@@ -3431,7 +3431,7 @@
                   <a:ea typeface="Verdana" panose="020B0604030504040204" pitchFamily="34" charset="0"/>
                   <a:cs typeface="Calibri" panose="020F0502020204030204" pitchFamily="34" charset="0"/>
                 </a:rPr>
-                <a:t>Set-</a:t>
+                <a:t>Export-</a:t>
               </a:r>
               <a:r>
                 <a:rPr lang="de-AT" sz="8000" b="1" i="1" spc="-400" dirty="0" err="1">
@@ -3447,7 +3447,7 @@
                   <a:ea typeface="Verdana" panose="020B0604030504040204" pitchFamily="34" charset="0"/>
                   <a:cs typeface="Calibri" panose="020F0502020204030204" pitchFamily="34" charset="0"/>
                 </a:rPr>
-                <a:t>OutlookSignatures</a:t>
+                <a:t>RecipientPermissions</a:t>
               </a:r>
               <a:endParaRPr lang="de-AT" sz="8000" b="1" i="1" spc="-400" dirty="0">
                 <a:ln w="12700">
@@ -3465,2240 +3465,50 @@
             </a:p>
           </p:txBody>
         </p:sp>
-        <p:grpSp>
-          <p:nvGrpSpPr>
-            <p:cNvPr id="8" name="Gruppieren 7">
+        <p:pic>
+          <p:nvPicPr>
+            <p:cNvPr id="4" name="Grafik 3">
               <a:extLst>
                 <a:ext uri="{FF2B5EF4-FFF2-40B4-BE49-F238E27FC236}">
-                  <a16:creationId xmlns:a16="http://schemas.microsoft.com/office/drawing/2014/main" id="{623B17FD-AEEC-43BF-9B1D-0C24B3D4E3DB}"/>
+                  <a16:creationId xmlns:a16="http://schemas.microsoft.com/office/drawing/2014/main" id="{B2DE45DE-9D91-7264-2B66-7A57E25363EB}"/>
                 </a:ext>
               </a:extLst>
             </p:cNvPr>
-            <p:cNvGrpSpPr>
-              <a:grpSpLocks noChangeAspect="1"/>
-            </p:cNvGrpSpPr>
+            <p:cNvPicPr>
+              <a:picLocks noChangeAspect="1"/>
+            </p:cNvPicPr>
             <p:nvPr/>
-          </p:nvGrpSpPr>
-          <p:grpSpPr>
+          </p:nvPicPr>
+          <p:blipFill>
+            <a:blip r:embed="rId2">
+              <a:extLst>
+                <a:ext uri="{28A0092B-C50C-407E-A947-70E740481C1C}">
+                  <a14:useLocalDpi xmlns:a14="http://schemas.microsoft.com/office/drawing/2010/main" val="0"/>
+                </a:ext>
+                <a:ext uri="{96DAC541-7B7A-43D3-8B79-37D633B846F1}">
+                  <asvg:svgBlip xmlns:asvg="http://schemas.microsoft.com/office/drawing/2016/SVG/main" r:embed="rId3"/>
+                </a:ext>
+              </a:extLst>
+            </a:blip>
+            <a:stretch>
+              <a:fillRect/>
+            </a:stretch>
+          </p:blipFill>
+          <p:spPr>
             <a:xfrm>
-              <a:off x="6017805" y="2479052"/>
-              <a:ext cx="1833006" cy="1453388"/>
-              <a:chOff x="6224723" y="1709839"/>
-              <a:chExt cx="3109802" cy="2465757"/>
+              <a:off x="6240530" y="2275230"/>
+              <a:ext cx="1595972" cy="1584000"/>
             </a:xfrm>
+            <a:prstGeom prst="rect">
+              <a:avLst/>
+            </a:prstGeom>
             <a:effectLst>
               <a:glow rad="127000">
                 <a:schemeClr val="bg1"/>
               </a:glow>
             </a:effectLst>
-          </p:grpSpPr>
-          <p:sp>
-            <p:nvSpPr>
-              <p:cNvPr id="17" name="Grafik 14">
-                <a:extLst>
-                  <a:ext uri="{FF2B5EF4-FFF2-40B4-BE49-F238E27FC236}">
-                    <a16:creationId xmlns:a16="http://schemas.microsoft.com/office/drawing/2014/main" id="{15692A5B-EEEF-4869-8EAB-8E502C0D9B38}"/>
-                  </a:ext>
-                </a:extLst>
-              </p:cNvPr>
-              <p:cNvSpPr/>
-              <p:nvPr/>
-            </p:nvSpPr>
-            <p:spPr>
-              <a:xfrm flipH="1">
-                <a:off x="6224723" y="3131855"/>
-                <a:ext cx="1862249" cy="1043741"/>
-              </a:xfrm>
-              <a:custGeom>
-                <a:avLst/>
-                <a:gdLst>
-                  <a:gd name="connsiteX0" fmla="*/ 1908467 w 2190310"/>
-                  <a:gd name="connsiteY0" fmla="*/ 0 h 1227610"/>
-                  <a:gd name="connsiteX1" fmla="*/ 1457287 w 2190310"/>
-                  <a:gd name="connsiteY1" fmla="*/ 875957 h 1227610"/>
-                  <a:gd name="connsiteX2" fmla="*/ 1430093 w 2190310"/>
-                  <a:gd name="connsiteY2" fmla="*/ 928735 h 1227610"/>
-                  <a:gd name="connsiteX3" fmla="*/ 1377315 w 2190310"/>
-                  <a:gd name="connsiteY3" fmla="*/ 901541 h 1227610"/>
-                  <a:gd name="connsiteX4" fmla="*/ 0 w 2190310"/>
-                  <a:gd name="connsiteY4" fmla="*/ 192148 h 1227610"/>
-                  <a:gd name="connsiteX5" fmla="*/ 1524219 w 2190310"/>
-                  <a:gd name="connsiteY5" fmla="*/ 1227611 h 1227610"/>
-                  <a:gd name="connsiteX6" fmla="*/ 2178844 w 2190310"/>
-                  <a:gd name="connsiteY6" fmla="*/ 263843 h 1227610"/>
-                  <a:gd name="connsiteX7" fmla="*/ 2161327 w 2190310"/>
-                  <a:gd name="connsiteY7" fmla="*/ 171736 h 1227610"/>
-                  <a:gd name="connsiteX8" fmla="*/ 1908467 w 2190310"/>
-                  <a:gd name="connsiteY8" fmla="*/ 0 h 1227610"/>
-                </a:gdLst>
-                <a:ahLst/>
-                <a:cxnLst>
-                  <a:cxn ang="0">
-                    <a:pos x="connsiteX0" y="connsiteY0"/>
-                  </a:cxn>
-                  <a:cxn ang="0">
-                    <a:pos x="connsiteX1" y="connsiteY1"/>
-                  </a:cxn>
-                  <a:cxn ang="0">
-                    <a:pos x="connsiteX2" y="connsiteY2"/>
-                  </a:cxn>
-                  <a:cxn ang="0">
-                    <a:pos x="connsiteX3" y="connsiteY3"/>
-                  </a:cxn>
-                  <a:cxn ang="0">
-                    <a:pos x="connsiteX4" y="connsiteY4"/>
-                  </a:cxn>
-                  <a:cxn ang="0">
-                    <a:pos x="connsiteX5" y="connsiteY5"/>
-                  </a:cxn>
-                  <a:cxn ang="0">
-                    <a:pos x="connsiteX6" y="connsiteY6"/>
-                  </a:cxn>
-                  <a:cxn ang="0">
-                    <a:pos x="connsiteX7" y="connsiteY7"/>
-                  </a:cxn>
-                  <a:cxn ang="0">
-                    <a:pos x="connsiteX8" y="connsiteY8"/>
-                  </a:cxn>
-                </a:cxnLst>
-                <a:rect l="l" t="t" r="r" b="b"/>
-                <a:pathLst>
-                  <a:path w="2190310" h="1227610">
-                    <a:moveTo>
-                      <a:pt x="1908467" y="0"/>
-                    </a:moveTo>
-                    <a:lnTo>
-                      <a:pt x="1457287" y="875957"/>
-                    </a:lnTo>
-                    <a:lnTo>
-                      <a:pt x="1430093" y="928735"/>
-                    </a:lnTo>
-                    <a:lnTo>
-                      <a:pt x="1377315" y="901541"/>
-                    </a:lnTo>
-                    <a:lnTo>
-                      <a:pt x="0" y="192148"/>
-                    </a:lnTo>
-                    <a:lnTo>
-                      <a:pt x="1524219" y="1227611"/>
-                    </a:lnTo>
-                    <a:lnTo>
-                      <a:pt x="2178844" y="263843"/>
-                    </a:lnTo>
-                    <a:cubicBezTo>
-                      <a:pt x="2199380" y="233563"/>
-                      <a:pt x="2191607" y="192386"/>
-                      <a:pt x="2161327" y="171736"/>
-                    </a:cubicBezTo>
-                    <a:lnTo>
-                      <a:pt x="1908467" y="0"/>
-                    </a:lnTo>
-                    <a:close/>
-                  </a:path>
-                </a:pathLst>
-              </a:custGeom>
-              <a:solidFill>
-                <a:srgbClr val="00B050"/>
-              </a:solidFill>
-              <a:ln w="9525" cap="flat">
-                <a:noFill/>
-                <a:prstDash val="solid"/>
-                <a:miter/>
-              </a:ln>
-            </p:spPr>
-            <p:txBody>
-              <a:bodyPr wrap="none" rtlCol="0" anchor="ctr" anchorCtr="0">
-                <a:noAutofit/>
-              </a:bodyPr>
-              <a:lstStyle/>
-              <a:p>
-                <a:pPr algn="ctr"/>
-                <a:endParaRPr lang="de-AT" sz="8000" spc="-400">
-                  <a:effectLst>
-                    <a:glow>
-                      <a:schemeClr val="bg1"/>
-                    </a:glow>
-                  </a:effectLst>
-                  <a:latin typeface="Calibri" panose="020F0502020204030204" pitchFamily="34" charset="0"/>
-                  <a:cs typeface="Calibri" panose="020F0502020204030204" pitchFamily="34" charset="0"/>
-                </a:endParaRPr>
-              </a:p>
-            </p:txBody>
-          </p:sp>
-          <p:sp>
-            <p:nvSpPr>
-              <p:cNvPr id="18" name="Grafik 14">
-                <a:extLst>
-                  <a:ext uri="{FF2B5EF4-FFF2-40B4-BE49-F238E27FC236}">
-                    <a16:creationId xmlns:a16="http://schemas.microsoft.com/office/drawing/2014/main" id="{ECE86A74-836D-45F1-92C7-F966E486FBF9}"/>
-                  </a:ext>
-                </a:extLst>
-              </p:cNvPr>
-              <p:cNvSpPr/>
-              <p:nvPr/>
-            </p:nvSpPr>
-            <p:spPr>
-              <a:xfrm flipH="1">
-                <a:off x="6413471" y="2796307"/>
-                <a:ext cx="2085457" cy="1057185"/>
-              </a:xfrm>
-              <a:custGeom>
-                <a:avLst/>
-                <a:gdLst>
-                  <a:gd name="connsiteX0" fmla="*/ 2343445 w 2452839"/>
-                  <a:gd name="connsiteY0" fmla="*/ 361074 h 1243422"/>
-                  <a:gd name="connsiteX1" fmla="*/ 2357142 w 2452839"/>
-                  <a:gd name="connsiteY1" fmla="*/ 334394 h 1243422"/>
-                  <a:gd name="connsiteX2" fmla="*/ 2370830 w 2452839"/>
-                  <a:gd name="connsiteY2" fmla="*/ 307896 h 1243422"/>
-                  <a:gd name="connsiteX3" fmla="*/ 2452840 w 2452839"/>
-                  <a:gd name="connsiteY3" fmla="*/ 148771 h 1243422"/>
-                  <a:gd name="connsiteX4" fmla="*/ 2164004 w 2452839"/>
-                  <a:gd name="connsiteY4" fmla="*/ 0 h 1243422"/>
-                  <a:gd name="connsiteX5" fmla="*/ 2117369 w 2452839"/>
-                  <a:gd name="connsiteY5" fmla="*/ 135636 h 1243422"/>
-                  <a:gd name="connsiteX6" fmla="*/ 2107397 w 2452839"/>
-                  <a:gd name="connsiteY6" fmla="*/ 164754 h 1243422"/>
-                  <a:gd name="connsiteX7" fmla="*/ 2097415 w 2452839"/>
-                  <a:gd name="connsiteY7" fmla="*/ 193919 h 1243422"/>
-                  <a:gd name="connsiteX8" fmla="*/ 1871691 w 2452839"/>
-                  <a:gd name="connsiteY8" fmla="*/ 850706 h 1243422"/>
-                  <a:gd name="connsiteX9" fmla="*/ 1852431 w 2452839"/>
-                  <a:gd name="connsiteY9" fmla="*/ 906913 h 1243422"/>
-                  <a:gd name="connsiteX10" fmla="*/ 1796291 w 2452839"/>
-                  <a:gd name="connsiteY10" fmla="*/ 887587 h 1243422"/>
-                  <a:gd name="connsiteX11" fmla="*/ 69075 w 2452839"/>
-                  <a:gd name="connsiteY11" fmla="*/ 294256 h 1243422"/>
-                  <a:gd name="connsiteX12" fmla="*/ 39986 w 2452839"/>
-                  <a:gd name="connsiteY12" fmla="*/ 284293 h 1243422"/>
-                  <a:gd name="connsiteX13" fmla="*/ 10811 w 2452839"/>
-                  <a:gd name="connsiteY13" fmla="*/ 274196 h 1243422"/>
-                  <a:gd name="connsiteX14" fmla="*/ 0 w 2452839"/>
-                  <a:gd name="connsiteY14" fmla="*/ 270539 h 1243422"/>
-                  <a:gd name="connsiteX15" fmla="*/ 9916 w 2452839"/>
-                  <a:gd name="connsiteY15" fmla="*/ 275577 h 1243422"/>
-                  <a:gd name="connsiteX16" fmla="*/ 36538 w 2452839"/>
-                  <a:gd name="connsiteY16" fmla="*/ 289274 h 1243422"/>
-                  <a:gd name="connsiteX17" fmla="*/ 77800 w 2452839"/>
-                  <a:gd name="connsiteY17" fmla="*/ 310553 h 1243422"/>
-                  <a:gd name="connsiteX18" fmla="*/ 1888979 w 2452839"/>
-                  <a:gd name="connsiteY18" fmla="*/ 1243422 h 1243422"/>
-                </a:gdLst>
-                <a:ahLst/>
-                <a:cxnLst>
-                  <a:cxn ang="0">
-                    <a:pos x="connsiteX0" y="connsiteY0"/>
-                  </a:cxn>
-                  <a:cxn ang="0">
-                    <a:pos x="connsiteX1" y="connsiteY1"/>
-                  </a:cxn>
-                  <a:cxn ang="0">
-                    <a:pos x="connsiteX2" y="connsiteY2"/>
-                  </a:cxn>
-                  <a:cxn ang="0">
-                    <a:pos x="connsiteX3" y="connsiteY3"/>
-                  </a:cxn>
-                  <a:cxn ang="0">
-                    <a:pos x="connsiteX4" y="connsiteY4"/>
-                  </a:cxn>
-                  <a:cxn ang="0">
-                    <a:pos x="connsiteX5" y="connsiteY5"/>
-                  </a:cxn>
-                  <a:cxn ang="0">
-                    <a:pos x="connsiteX6" y="connsiteY6"/>
-                  </a:cxn>
-                  <a:cxn ang="0">
-                    <a:pos x="connsiteX7" y="connsiteY7"/>
-                  </a:cxn>
-                  <a:cxn ang="0">
-                    <a:pos x="connsiteX8" y="connsiteY8"/>
-                  </a:cxn>
-                  <a:cxn ang="0">
-                    <a:pos x="connsiteX9" y="connsiteY9"/>
-                  </a:cxn>
-                  <a:cxn ang="0">
-                    <a:pos x="connsiteX10" y="connsiteY10"/>
-                  </a:cxn>
-                  <a:cxn ang="0">
-                    <a:pos x="connsiteX11" y="connsiteY11"/>
-                  </a:cxn>
-                  <a:cxn ang="0">
-                    <a:pos x="connsiteX12" y="connsiteY12"/>
-                  </a:cxn>
-                  <a:cxn ang="0">
-                    <a:pos x="connsiteX13" y="connsiteY13"/>
-                  </a:cxn>
-                  <a:cxn ang="0">
-                    <a:pos x="connsiteX14" y="connsiteY14"/>
-                  </a:cxn>
-                  <a:cxn ang="0">
-                    <a:pos x="connsiteX15" y="connsiteY15"/>
-                  </a:cxn>
-                  <a:cxn ang="0">
-                    <a:pos x="connsiteX16" y="connsiteY16"/>
-                  </a:cxn>
-                  <a:cxn ang="0">
-                    <a:pos x="connsiteX17" y="connsiteY17"/>
-                  </a:cxn>
-                  <a:cxn ang="0">
-                    <a:pos x="connsiteX18" y="connsiteY18"/>
-                  </a:cxn>
-                </a:cxnLst>
-                <a:rect l="l" t="t" r="r" b="b"/>
-                <a:pathLst>
-                  <a:path w="2452839" h="1243422">
-                    <a:moveTo>
-                      <a:pt x="2343445" y="361074"/>
-                    </a:moveTo>
-                    <a:lnTo>
-                      <a:pt x="2357142" y="334394"/>
-                    </a:lnTo>
-                    <a:lnTo>
-                      <a:pt x="2370830" y="307896"/>
-                    </a:lnTo>
-                    <a:lnTo>
-                      <a:pt x="2452840" y="148771"/>
-                    </a:lnTo>
-                    <a:lnTo>
-                      <a:pt x="2164004" y="0"/>
-                    </a:lnTo>
-                    <a:lnTo>
-                      <a:pt x="2117369" y="135636"/>
-                    </a:lnTo>
-                    <a:lnTo>
-                      <a:pt x="2107397" y="164754"/>
-                    </a:lnTo>
-                    <a:lnTo>
-                      <a:pt x="2097415" y="193919"/>
-                    </a:lnTo>
-                    <a:lnTo>
-                      <a:pt x="1871691" y="850706"/>
-                    </a:lnTo>
-                    <a:lnTo>
-                      <a:pt x="1852431" y="906913"/>
-                    </a:lnTo>
-                    <a:lnTo>
-                      <a:pt x="1796291" y="887587"/>
-                    </a:lnTo>
-                    <a:lnTo>
-                      <a:pt x="69075" y="294256"/>
-                    </a:lnTo>
-                    <a:lnTo>
-                      <a:pt x="39986" y="284293"/>
-                    </a:lnTo>
-                    <a:lnTo>
-                      <a:pt x="10811" y="274196"/>
-                    </a:lnTo>
-                    <a:lnTo>
-                      <a:pt x="0" y="270539"/>
-                    </a:lnTo>
-                    <a:lnTo>
-                      <a:pt x="9916" y="275577"/>
-                    </a:lnTo>
-                    <a:lnTo>
-                      <a:pt x="36538" y="289274"/>
-                    </a:lnTo>
-                    <a:lnTo>
-                      <a:pt x="77800" y="310553"/>
-                    </a:lnTo>
-                    <a:lnTo>
-                      <a:pt x="1888979" y="1243422"/>
-                    </a:lnTo>
-                    <a:close/>
-                  </a:path>
-                </a:pathLst>
-              </a:custGeom>
-              <a:solidFill>
-                <a:srgbClr val="92D050"/>
-              </a:solidFill>
-              <a:ln w="9525" cap="flat">
-                <a:noFill/>
-                <a:prstDash val="solid"/>
-                <a:miter/>
-              </a:ln>
-            </p:spPr>
-            <p:txBody>
-              <a:bodyPr wrap="none" rtlCol="0" anchor="ctr" anchorCtr="0">
-                <a:noAutofit/>
-              </a:bodyPr>
-              <a:lstStyle/>
-              <a:p>
-                <a:pPr algn="ctr"/>
-                <a:endParaRPr lang="de-AT" sz="8000" spc="-400">
-                  <a:effectLst>
-                    <a:glow>
-                      <a:schemeClr val="bg1"/>
-                    </a:glow>
-                  </a:effectLst>
-                  <a:latin typeface="Calibri" panose="020F0502020204030204" pitchFamily="34" charset="0"/>
-                  <a:cs typeface="Calibri" panose="020F0502020204030204" pitchFamily="34" charset="0"/>
-                </a:endParaRPr>
-              </a:p>
-            </p:txBody>
-          </p:sp>
-          <p:sp>
-            <p:nvSpPr>
-              <p:cNvPr id="19" name="Grafik 14">
-                <a:extLst>
-                  <a:ext uri="{FF2B5EF4-FFF2-40B4-BE49-F238E27FC236}">
-                    <a16:creationId xmlns:a16="http://schemas.microsoft.com/office/drawing/2014/main" id="{C2E6D04A-750C-4819-A8A6-B7CE8BEAD050}"/>
-                  </a:ext>
-                </a:extLst>
-              </p:cNvPr>
-              <p:cNvSpPr/>
-              <p:nvPr/>
-            </p:nvSpPr>
-            <p:spPr>
-              <a:xfrm flipH="1">
-                <a:off x="6615160" y="2403909"/>
-                <a:ext cx="2113122" cy="1099320"/>
-              </a:xfrm>
-              <a:custGeom>
-                <a:avLst/>
-                <a:gdLst>
-                  <a:gd name="connsiteX0" fmla="*/ 344281 w 2485377"/>
-                  <a:gd name="connsiteY0" fmla="*/ 694830 h 1292980"/>
-                  <a:gd name="connsiteX1" fmla="*/ 373399 w 2485377"/>
-                  <a:gd name="connsiteY1" fmla="*/ 704869 h 1292980"/>
-                  <a:gd name="connsiteX2" fmla="*/ 2085308 w 2485377"/>
-                  <a:gd name="connsiteY2" fmla="*/ 1292981 h 1292980"/>
-                  <a:gd name="connsiteX3" fmla="*/ 2316204 w 2485377"/>
-                  <a:gd name="connsiteY3" fmla="*/ 620820 h 1292980"/>
-                  <a:gd name="connsiteX4" fmla="*/ 2326224 w 2485377"/>
-                  <a:gd name="connsiteY4" fmla="*/ 591703 h 1292980"/>
-                  <a:gd name="connsiteX5" fmla="*/ 2336207 w 2485377"/>
-                  <a:gd name="connsiteY5" fmla="*/ 562623 h 1292980"/>
-                  <a:gd name="connsiteX6" fmla="*/ 2380402 w 2485377"/>
-                  <a:gd name="connsiteY6" fmla="*/ 434035 h 1292980"/>
-                  <a:gd name="connsiteX7" fmla="*/ 2390147 w 2485377"/>
-                  <a:gd name="connsiteY7" fmla="*/ 405651 h 1292980"/>
-                  <a:gd name="connsiteX8" fmla="*/ 2399890 w 2485377"/>
-                  <a:gd name="connsiteY8" fmla="*/ 377257 h 1292980"/>
-                  <a:gd name="connsiteX9" fmla="*/ 2485377 w 2485377"/>
-                  <a:gd name="connsiteY9" fmla="*/ 128406 h 1292980"/>
-                  <a:gd name="connsiteX10" fmla="*/ 2111635 w 2485377"/>
-                  <a:gd name="connsiteY10" fmla="*/ 0 h 1292980"/>
-                  <a:gd name="connsiteX11" fmla="*/ 2075907 w 2485377"/>
-                  <a:gd name="connsiteY11" fmla="*/ 210426 h 1292980"/>
-                  <a:gd name="connsiteX12" fmla="*/ 2070687 w 2485377"/>
-                  <a:gd name="connsiteY12" fmla="*/ 241125 h 1292980"/>
-                  <a:gd name="connsiteX13" fmla="*/ 2065525 w 2485377"/>
-                  <a:gd name="connsiteY13" fmla="*/ 271844 h 1292980"/>
-                  <a:gd name="connsiteX14" fmla="*/ 2049218 w 2485377"/>
-                  <a:gd name="connsiteY14" fmla="*/ 367627 h 1292980"/>
-                  <a:gd name="connsiteX15" fmla="*/ 2043770 w 2485377"/>
-                  <a:gd name="connsiteY15" fmla="*/ 399812 h 1292980"/>
-                  <a:gd name="connsiteX16" fmla="*/ 2038321 w 2485377"/>
-                  <a:gd name="connsiteY16" fmla="*/ 432006 h 1292980"/>
-                  <a:gd name="connsiteX17" fmla="*/ 1967332 w 2485377"/>
-                  <a:gd name="connsiteY17" fmla="*/ 850202 h 1292980"/>
-                  <a:gd name="connsiteX18" fmla="*/ 1957359 w 2485377"/>
-                  <a:gd name="connsiteY18" fmla="*/ 908790 h 1292980"/>
-                  <a:gd name="connsiteX19" fmla="*/ 1898780 w 2485377"/>
-                  <a:gd name="connsiteY19" fmla="*/ 898808 h 1292980"/>
-                  <a:gd name="connsiteX20" fmla="*/ 412890 w 2485377"/>
-                  <a:gd name="connsiteY20" fmla="*/ 646633 h 1292980"/>
-                  <a:gd name="connsiteX21" fmla="*/ 380762 w 2485377"/>
-                  <a:gd name="connsiteY21" fmla="*/ 641175 h 1292980"/>
-                  <a:gd name="connsiteX22" fmla="*/ 348577 w 2485377"/>
-                  <a:gd name="connsiteY22" fmla="*/ 635727 h 1292980"/>
-                  <a:gd name="connsiteX23" fmla="*/ 87954 w 2485377"/>
-                  <a:gd name="connsiteY23" fmla="*/ 591474 h 1292980"/>
-                  <a:gd name="connsiteX24" fmla="*/ 57245 w 2485377"/>
-                  <a:gd name="connsiteY24" fmla="*/ 586254 h 1292980"/>
-                  <a:gd name="connsiteX25" fmla="*/ 26565 w 2485377"/>
-                  <a:gd name="connsiteY25" fmla="*/ 581092 h 1292980"/>
-                  <a:gd name="connsiteX26" fmla="*/ 0 w 2485377"/>
-                  <a:gd name="connsiteY26" fmla="*/ 576567 h 1292980"/>
-                  <a:gd name="connsiteX27" fmla="*/ 24536 w 2485377"/>
-                  <a:gd name="connsiteY27" fmla="*/ 585006 h 1292980"/>
-                  <a:gd name="connsiteX28" fmla="*/ 52930 w 2485377"/>
-                  <a:gd name="connsiteY28" fmla="*/ 594722 h 1292980"/>
-                  <a:gd name="connsiteX29" fmla="*/ 81315 w 2485377"/>
-                  <a:gd name="connsiteY29" fmla="*/ 604466 h 1292980"/>
-                  <a:gd name="connsiteX30" fmla="*/ 315201 w 2485377"/>
-                  <a:gd name="connsiteY30" fmla="*/ 684790 h 1292980"/>
-                </a:gdLst>
-                <a:ahLst/>
-                <a:cxnLst>
-                  <a:cxn ang="0">
-                    <a:pos x="connsiteX0" y="connsiteY0"/>
-                  </a:cxn>
-                  <a:cxn ang="0">
-                    <a:pos x="connsiteX1" y="connsiteY1"/>
-                  </a:cxn>
-                  <a:cxn ang="0">
-                    <a:pos x="connsiteX2" y="connsiteY2"/>
-                  </a:cxn>
-                  <a:cxn ang="0">
-                    <a:pos x="connsiteX3" y="connsiteY3"/>
-                  </a:cxn>
-                  <a:cxn ang="0">
-                    <a:pos x="connsiteX4" y="connsiteY4"/>
-                  </a:cxn>
-                  <a:cxn ang="0">
-                    <a:pos x="connsiteX5" y="connsiteY5"/>
-                  </a:cxn>
-                  <a:cxn ang="0">
-                    <a:pos x="connsiteX6" y="connsiteY6"/>
-                  </a:cxn>
-                  <a:cxn ang="0">
-                    <a:pos x="connsiteX7" y="connsiteY7"/>
-                  </a:cxn>
-                  <a:cxn ang="0">
-                    <a:pos x="connsiteX8" y="connsiteY8"/>
-                  </a:cxn>
-                  <a:cxn ang="0">
-                    <a:pos x="connsiteX9" y="connsiteY9"/>
-                  </a:cxn>
-                  <a:cxn ang="0">
-                    <a:pos x="connsiteX10" y="connsiteY10"/>
-                  </a:cxn>
-                  <a:cxn ang="0">
-                    <a:pos x="connsiteX11" y="connsiteY11"/>
-                  </a:cxn>
-                  <a:cxn ang="0">
-                    <a:pos x="connsiteX12" y="connsiteY12"/>
-                  </a:cxn>
-                  <a:cxn ang="0">
-                    <a:pos x="connsiteX13" y="connsiteY13"/>
-                  </a:cxn>
-                  <a:cxn ang="0">
-                    <a:pos x="connsiteX14" y="connsiteY14"/>
-                  </a:cxn>
-                  <a:cxn ang="0">
-                    <a:pos x="connsiteX15" y="connsiteY15"/>
-                  </a:cxn>
-                  <a:cxn ang="0">
-                    <a:pos x="connsiteX16" y="connsiteY16"/>
-                  </a:cxn>
-                  <a:cxn ang="0">
-                    <a:pos x="connsiteX17" y="connsiteY17"/>
-                  </a:cxn>
-                  <a:cxn ang="0">
-                    <a:pos x="connsiteX18" y="connsiteY18"/>
-                  </a:cxn>
-                  <a:cxn ang="0">
-                    <a:pos x="connsiteX19" y="connsiteY19"/>
-                  </a:cxn>
-                  <a:cxn ang="0">
-                    <a:pos x="connsiteX20" y="connsiteY20"/>
-                  </a:cxn>
-                  <a:cxn ang="0">
-                    <a:pos x="connsiteX21" y="connsiteY21"/>
-                  </a:cxn>
-                  <a:cxn ang="0">
-                    <a:pos x="connsiteX22" y="connsiteY22"/>
-                  </a:cxn>
-                  <a:cxn ang="0">
-                    <a:pos x="connsiteX23" y="connsiteY23"/>
-                  </a:cxn>
-                  <a:cxn ang="0">
-                    <a:pos x="connsiteX24" y="connsiteY24"/>
-                  </a:cxn>
-                  <a:cxn ang="0">
-                    <a:pos x="connsiteX25" y="connsiteY25"/>
-                  </a:cxn>
-                  <a:cxn ang="0">
-                    <a:pos x="connsiteX26" y="connsiteY26"/>
-                  </a:cxn>
-                  <a:cxn ang="0">
-                    <a:pos x="connsiteX27" y="connsiteY27"/>
-                  </a:cxn>
-                  <a:cxn ang="0">
-                    <a:pos x="connsiteX28" y="connsiteY28"/>
-                  </a:cxn>
-                  <a:cxn ang="0">
-                    <a:pos x="connsiteX29" y="connsiteY29"/>
-                  </a:cxn>
-                  <a:cxn ang="0">
-                    <a:pos x="connsiteX30" y="connsiteY30"/>
-                  </a:cxn>
-                </a:cxnLst>
-                <a:rect l="l" t="t" r="r" b="b"/>
-                <a:pathLst>
-                  <a:path w="2485377" h="1292980">
-                    <a:moveTo>
-                      <a:pt x="344281" y="694830"/>
-                    </a:moveTo>
-                    <a:lnTo>
-                      <a:pt x="373399" y="704869"/>
-                    </a:lnTo>
-                    <a:lnTo>
-                      <a:pt x="2085308" y="1292981"/>
-                    </a:lnTo>
-                    <a:lnTo>
-                      <a:pt x="2316204" y="620820"/>
-                    </a:lnTo>
-                    <a:lnTo>
-                      <a:pt x="2326224" y="591703"/>
-                    </a:lnTo>
-                    <a:lnTo>
-                      <a:pt x="2336207" y="562623"/>
-                    </a:lnTo>
-                    <a:lnTo>
-                      <a:pt x="2380402" y="434035"/>
-                    </a:lnTo>
-                    <a:lnTo>
-                      <a:pt x="2390147" y="405651"/>
-                    </a:lnTo>
-                    <a:lnTo>
-                      <a:pt x="2399890" y="377257"/>
-                    </a:lnTo>
-                    <a:lnTo>
-                      <a:pt x="2485377" y="128406"/>
-                    </a:lnTo>
-                    <a:lnTo>
-                      <a:pt x="2111635" y="0"/>
-                    </a:lnTo>
-                    <a:lnTo>
-                      <a:pt x="2075907" y="210426"/>
-                    </a:lnTo>
-                    <a:lnTo>
-                      <a:pt x="2070687" y="241125"/>
-                    </a:lnTo>
-                    <a:lnTo>
-                      <a:pt x="2065525" y="271844"/>
-                    </a:lnTo>
-                    <a:lnTo>
-                      <a:pt x="2049218" y="367627"/>
-                    </a:lnTo>
-                    <a:lnTo>
-                      <a:pt x="2043770" y="399812"/>
-                    </a:lnTo>
-                    <a:lnTo>
-                      <a:pt x="2038321" y="432006"/>
-                    </a:lnTo>
-                    <a:lnTo>
-                      <a:pt x="1967332" y="850202"/>
-                    </a:lnTo>
-                    <a:lnTo>
-                      <a:pt x="1957359" y="908790"/>
-                    </a:lnTo>
-                    <a:lnTo>
-                      <a:pt x="1898780" y="898808"/>
-                    </a:lnTo>
-                    <a:lnTo>
-                      <a:pt x="412890" y="646633"/>
-                    </a:lnTo>
-                    <a:lnTo>
-                      <a:pt x="380762" y="641175"/>
-                    </a:lnTo>
-                    <a:lnTo>
-                      <a:pt x="348577" y="635727"/>
-                    </a:lnTo>
-                    <a:lnTo>
-                      <a:pt x="87954" y="591474"/>
-                    </a:lnTo>
-                    <a:lnTo>
-                      <a:pt x="57245" y="586254"/>
-                    </a:lnTo>
-                    <a:lnTo>
-                      <a:pt x="26565" y="581092"/>
-                    </a:lnTo>
-                    <a:lnTo>
-                      <a:pt x="0" y="576567"/>
-                    </a:lnTo>
-                    <a:lnTo>
-                      <a:pt x="24536" y="585006"/>
-                    </a:lnTo>
-                    <a:lnTo>
-                      <a:pt x="52930" y="594722"/>
-                    </a:lnTo>
-                    <a:lnTo>
-                      <a:pt x="81315" y="604466"/>
-                    </a:lnTo>
-                    <a:lnTo>
-                      <a:pt x="315201" y="684790"/>
-                    </a:lnTo>
-                    <a:close/>
-                  </a:path>
-                </a:pathLst>
-              </a:custGeom>
-              <a:solidFill>
-                <a:srgbClr val="FFC000"/>
-              </a:solidFill>
-              <a:ln w="9525" cap="flat">
-                <a:noFill/>
-                <a:prstDash val="solid"/>
-                <a:miter/>
-              </a:ln>
-            </p:spPr>
-            <p:txBody>
-              <a:bodyPr wrap="none" rtlCol="0" anchor="ctr" anchorCtr="0">
-                <a:noAutofit/>
-              </a:bodyPr>
-              <a:lstStyle/>
-              <a:p>
-                <a:pPr algn="ctr"/>
-                <a:endParaRPr lang="de-AT" sz="8000" spc="-400">
-                  <a:effectLst>
-                    <a:glow>
-                      <a:schemeClr val="bg1"/>
-                    </a:glow>
-                  </a:effectLst>
-                  <a:latin typeface="Calibri" panose="020F0502020204030204" pitchFamily="34" charset="0"/>
-                  <a:cs typeface="Calibri" panose="020F0502020204030204" pitchFamily="34" charset="0"/>
-                </a:endParaRPr>
-              </a:p>
-            </p:txBody>
-          </p:sp>
-          <p:sp>
-            <p:nvSpPr>
-              <p:cNvPr id="20" name="Grafik 14">
-                <a:extLst>
-                  <a:ext uri="{FF2B5EF4-FFF2-40B4-BE49-F238E27FC236}">
-                    <a16:creationId xmlns:a16="http://schemas.microsoft.com/office/drawing/2014/main" id="{959ADC24-8CEA-4895-9FA3-6785CD0C3799}"/>
-                  </a:ext>
-                </a:extLst>
-              </p:cNvPr>
-              <p:cNvSpPr/>
-              <p:nvPr/>
-            </p:nvSpPr>
-            <p:spPr>
-              <a:xfrm flipH="1">
-                <a:off x="6930268" y="2025878"/>
-                <a:ext cx="2007519" cy="1092510"/>
-              </a:xfrm>
-              <a:custGeom>
-                <a:avLst/>
-                <a:gdLst>
-                  <a:gd name="connsiteX0" fmla="*/ 332251 w 2361171"/>
-                  <a:gd name="connsiteY0" fmla="*/ 975522 h 1284970"/>
-                  <a:gd name="connsiteX1" fmla="*/ 362931 w 2361171"/>
-                  <a:gd name="connsiteY1" fmla="*/ 980685 h 1284970"/>
-                  <a:gd name="connsiteX2" fmla="*/ 631641 w 2361171"/>
-                  <a:gd name="connsiteY2" fmla="*/ 1026300 h 1284970"/>
-                  <a:gd name="connsiteX3" fmla="*/ 663835 w 2361171"/>
-                  <a:gd name="connsiteY3" fmla="*/ 1031748 h 1284970"/>
-                  <a:gd name="connsiteX4" fmla="*/ 696020 w 2361171"/>
-                  <a:gd name="connsiteY4" fmla="*/ 1037234 h 1284970"/>
-                  <a:gd name="connsiteX5" fmla="*/ 2155165 w 2361171"/>
-                  <a:gd name="connsiteY5" fmla="*/ 1284970 h 1284970"/>
-                  <a:gd name="connsiteX6" fmla="*/ 2230679 w 2361171"/>
-                  <a:gd name="connsiteY6" fmla="*/ 839924 h 1284970"/>
-                  <a:gd name="connsiteX7" fmla="*/ 2236127 w 2361171"/>
-                  <a:gd name="connsiteY7" fmla="*/ 807730 h 1284970"/>
-                  <a:gd name="connsiteX8" fmla="*/ 2241585 w 2361171"/>
-                  <a:gd name="connsiteY8" fmla="*/ 775602 h 1284970"/>
-                  <a:gd name="connsiteX9" fmla="*/ 2256549 w 2361171"/>
-                  <a:gd name="connsiteY9" fmla="*/ 687934 h 1284970"/>
-                  <a:gd name="connsiteX10" fmla="*/ 2261769 w 2361171"/>
-                  <a:gd name="connsiteY10" fmla="*/ 657196 h 1284970"/>
-                  <a:gd name="connsiteX11" fmla="*/ 2266874 w 2361171"/>
-                  <a:gd name="connsiteY11" fmla="*/ 626488 h 1284970"/>
-                  <a:gd name="connsiteX12" fmla="*/ 2301097 w 2361171"/>
-                  <a:gd name="connsiteY12" fmla="*/ 425082 h 1284970"/>
-                  <a:gd name="connsiteX13" fmla="*/ 2306193 w 2361171"/>
-                  <a:gd name="connsiteY13" fmla="*/ 395383 h 1284970"/>
-                  <a:gd name="connsiteX14" fmla="*/ 2311184 w 2361171"/>
-                  <a:gd name="connsiteY14" fmla="*/ 365751 h 1284970"/>
-                  <a:gd name="connsiteX15" fmla="*/ 2361171 w 2361171"/>
-                  <a:gd name="connsiteY15" fmla="*/ 70933 h 1284970"/>
-                  <a:gd name="connsiteX16" fmla="*/ 1943529 w 2361171"/>
-                  <a:gd name="connsiteY16" fmla="*/ 0 h 1284970"/>
-                  <a:gd name="connsiteX17" fmla="*/ 1943529 w 2361171"/>
-                  <a:gd name="connsiteY17" fmla="*/ 239430 h 1284970"/>
-                  <a:gd name="connsiteX18" fmla="*/ 1943529 w 2361171"/>
-                  <a:gd name="connsiteY18" fmla="*/ 270777 h 1284970"/>
-                  <a:gd name="connsiteX19" fmla="*/ 1943529 w 2361171"/>
-                  <a:gd name="connsiteY19" fmla="*/ 302209 h 1284970"/>
-                  <a:gd name="connsiteX20" fmla="*/ 1943529 w 2361171"/>
-                  <a:gd name="connsiteY20" fmla="*/ 459934 h 1284970"/>
-                  <a:gd name="connsiteX21" fmla="*/ 1943529 w 2361171"/>
-                  <a:gd name="connsiteY21" fmla="*/ 493319 h 1284970"/>
-                  <a:gd name="connsiteX22" fmla="*/ 1943586 w 2361171"/>
-                  <a:gd name="connsiteY22" fmla="*/ 526752 h 1284970"/>
-                  <a:gd name="connsiteX23" fmla="*/ 1943586 w 2361171"/>
-                  <a:gd name="connsiteY23" fmla="*/ 573091 h 1284970"/>
-                  <a:gd name="connsiteX24" fmla="*/ 1943586 w 2361171"/>
-                  <a:gd name="connsiteY24" fmla="*/ 609029 h 1284970"/>
-                  <a:gd name="connsiteX25" fmla="*/ 1943586 w 2361171"/>
-                  <a:gd name="connsiteY25" fmla="*/ 644900 h 1284970"/>
-                  <a:gd name="connsiteX26" fmla="*/ 1943586 w 2361171"/>
-                  <a:gd name="connsiteY26" fmla="*/ 859641 h 1284970"/>
-                  <a:gd name="connsiteX27" fmla="*/ 1943586 w 2361171"/>
-                  <a:gd name="connsiteY27" fmla="*/ 919029 h 1284970"/>
-                  <a:gd name="connsiteX28" fmla="*/ 1884188 w 2361171"/>
-                  <a:gd name="connsiteY28" fmla="*/ 919029 h 1284970"/>
-                  <a:gd name="connsiteX29" fmla="*/ 776288 w 2361171"/>
-                  <a:gd name="connsiteY29" fmla="*/ 919086 h 1284970"/>
-                  <a:gd name="connsiteX30" fmla="*/ 740416 w 2361171"/>
-                  <a:gd name="connsiteY30" fmla="*/ 919086 h 1284970"/>
-                  <a:gd name="connsiteX31" fmla="*/ 704488 w 2361171"/>
-                  <a:gd name="connsiteY31" fmla="*/ 919086 h 1284970"/>
-                  <a:gd name="connsiteX32" fmla="*/ 394659 w 2361171"/>
-                  <a:gd name="connsiteY32" fmla="*/ 919086 h 1284970"/>
-                  <a:gd name="connsiteX33" fmla="*/ 361274 w 2361171"/>
-                  <a:gd name="connsiteY33" fmla="*/ 919086 h 1284970"/>
-                  <a:gd name="connsiteX34" fmla="*/ 327841 w 2361171"/>
-                  <a:gd name="connsiteY34" fmla="*/ 919086 h 1284970"/>
-                  <a:gd name="connsiteX35" fmla="*/ 127283 w 2361171"/>
-                  <a:gd name="connsiteY35" fmla="*/ 919086 h 1284970"/>
-                  <a:gd name="connsiteX36" fmla="*/ 95879 w 2361171"/>
-                  <a:gd name="connsiteY36" fmla="*/ 919086 h 1284970"/>
-                  <a:gd name="connsiteX37" fmla="*/ 64494 w 2361171"/>
-                  <a:gd name="connsiteY37" fmla="*/ 919086 h 1284970"/>
-                  <a:gd name="connsiteX38" fmla="*/ 0 w 2361171"/>
-                  <a:gd name="connsiteY38" fmla="*/ 919086 h 1284970"/>
-                  <a:gd name="connsiteX39" fmla="*/ 60931 w 2361171"/>
-                  <a:gd name="connsiteY39" fmla="*/ 929440 h 1284970"/>
-                  <a:gd name="connsiteX40" fmla="*/ 90573 w 2361171"/>
-                  <a:gd name="connsiteY40" fmla="*/ 934488 h 1284970"/>
-                  <a:gd name="connsiteX41" fmla="*/ 120263 w 2361171"/>
-                  <a:gd name="connsiteY41" fmla="*/ 939536 h 1284970"/>
-                  <a:gd name="connsiteX42" fmla="*/ 301533 w 2361171"/>
-                  <a:gd name="connsiteY42" fmla="*/ 970302 h 1284970"/>
-                </a:gdLst>
-                <a:ahLst/>
-                <a:cxnLst>
-                  <a:cxn ang="0">
-                    <a:pos x="connsiteX0" y="connsiteY0"/>
-                  </a:cxn>
-                  <a:cxn ang="0">
-                    <a:pos x="connsiteX1" y="connsiteY1"/>
-                  </a:cxn>
-                  <a:cxn ang="0">
-                    <a:pos x="connsiteX2" y="connsiteY2"/>
-                  </a:cxn>
-                  <a:cxn ang="0">
-                    <a:pos x="connsiteX3" y="connsiteY3"/>
-                  </a:cxn>
-                  <a:cxn ang="0">
-                    <a:pos x="connsiteX4" y="connsiteY4"/>
-                  </a:cxn>
-                  <a:cxn ang="0">
-                    <a:pos x="connsiteX5" y="connsiteY5"/>
-                  </a:cxn>
-                  <a:cxn ang="0">
-                    <a:pos x="connsiteX6" y="connsiteY6"/>
-                  </a:cxn>
-                  <a:cxn ang="0">
-                    <a:pos x="connsiteX7" y="connsiteY7"/>
-                  </a:cxn>
-                  <a:cxn ang="0">
-                    <a:pos x="connsiteX8" y="connsiteY8"/>
-                  </a:cxn>
-                  <a:cxn ang="0">
-                    <a:pos x="connsiteX9" y="connsiteY9"/>
-                  </a:cxn>
-                  <a:cxn ang="0">
-                    <a:pos x="connsiteX10" y="connsiteY10"/>
-                  </a:cxn>
-                  <a:cxn ang="0">
-                    <a:pos x="connsiteX11" y="connsiteY11"/>
-                  </a:cxn>
-                  <a:cxn ang="0">
-                    <a:pos x="connsiteX12" y="connsiteY12"/>
-                  </a:cxn>
-                  <a:cxn ang="0">
-                    <a:pos x="connsiteX13" y="connsiteY13"/>
-                  </a:cxn>
-                  <a:cxn ang="0">
-                    <a:pos x="connsiteX14" y="connsiteY14"/>
-                  </a:cxn>
-                  <a:cxn ang="0">
-                    <a:pos x="connsiteX15" y="connsiteY15"/>
-                  </a:cxn>
-                  <a:cxn ang="0">
-                    <a:pos x="connsiteX16" y="connsiteY16"/>
-                  </a:cxn>
-                  <a:cxn ang="0">
-                    <a:pos x="connsiteX17" y="connsiteY17"/>
-                  </a:cxn>
-                  <a:cxn ang="0">
-                    <a:pos x="connsiteX18" y="connsiteY18"/>
-                  </a:cxn>
-                  <a:cxn ang="0">
-                    <a:pos x="connsiteX19" y="connsiteY19"/>
-                  </a:cxn>
-                  <a:cxn ang="0">
-                    <a:pos x="connsiteX20" y="connsiteY20"/>
-                  </a:cxn>
-                  <a:cxn ang="0">
-                    <a:pos x="connsiteX21" y="connsiteY21"/>
-                  </a:cxn>
-                  <a:cxn ang="0">
-                    <a:pos x="connsiteX22" y="connsiteY22"/>
-                  </a:cxn>
-                  <a:cxn ang="0">
-                    <a:pos x="connsiteX23" y="connsiteY23"/>
-                  </a:cxn>
-                  <a:cxn ang="0">
-                    <a:pos x="connsiteX24" y="connsiteY24"/>
-                  </a:cxn>
-                  <a:cxn ang="0">
-                    <a:pos x="connsiteX25" y="connsiteY25"/>
-                  </a:cxn>
-                  <a:cxn ang="0">
-                    <a:pos x="connsiteX26" y="connsiteY26"/>
-                  </a:cxn>
-                  <a:cxn ang="0">
-                    <a:pos x="connsiteX27" y="connsiteY27"/>
-                  </a:cxn>
-                  <a:cxn ang="0">
-                    <a:pos x="connsiteX28" y="connsiteY28"/>
-                  </a:cxn>
-                  <a:cxn ang="0">
-                    <a:pos x="connsiteX29" y="connsiteY29"/>
-                  </a:cxn>
-                  <a:cxn ang="0">
-                    <a:pos x="connsiteX30" y="connsiteY30"/>
-                  </a:cxn>
-                  <a:cxn ang="0">
-                    <a:pos x="connsiteX31" y="connsiteY31"/>
-                  </a:cxn>
-                  <a:cxn ang="0">
-                    <a:pos x="connsiteX32" y="connsiteY32"/>
-                  </a:cxn>
-                  <a:cxn ang="0">
-                    <a:pos x="connsiteX33" y="connsiteY33"/>
-                  </a:cxn>
-                  <a:cxn ang="0">
-                    <a:pos x="connsiteX34" y="connsiteY34"/>
-                  </a:cxn>
-                  <a:cxn ang="0">
-                    <a:pos x="connsiteX35" y="connsiteY35"/>
-                  </a:cxn>
-                  <a:cxn ang="0">
-                    <a:pos x="connsiteX36" y="connsiteY36"/>
-                  </a:cxn>
-                  <a:cxn ang="0">
-                    <a:pos x="connsiteX37" y="connsiteY37"/>
-                  </a:cxn>
-                  <a:cxn ang="0">
-                    <a:pos x="connsiteX38" y="connsiteY38"/>
-                  </a:cxn>
-                  <a:cxn ang="0">
-                    <a:pos x="connsiteX39" y="connsiteY39"/>
-                  </a:cxn>
-                  <a:cxn ang="0">
-                    <a:pos x="connsiteX40" y="connsiteY40"/>
-                  </a:cxn>
-                  <a:cxn ang="0">
-                    <a:pos x="connsiteX41" y="connsiteY41"/>
-                  </a:cxn>
-                  <a:cxn ang="0">
-                    <a:pos x="connsiteX42" y="connsiteY42"/>
-                  </a:cxn>
-                </a:cxnLst>
-                <a:rect l="l" t="t" r="r" b="b"/>
-                <a:pathLst>
-                  <a:path w="2361171" h="1284970">
-                    <a:moveTo>
-                      <a:pt x="332251" y="975522"/>
-                    </a:moveTo>
-                    <a:lnTo>
-                      <a:pt x="362931" y="980685"/>
-                    </a:lnTo>
-                    <a:lnTo>
-                      <a:pt x="631641" y="1026300"/>
-                    </a:lnTo>
-                    <a:lnTo>
-                      <a:pt x="663835" y="1031748"/>
-                    </a:lnTo>
-                    <a:lnTo>
-                      <a:pt x="696020" y="1037234"/>
-                    </a:lnTo>
-                    <a:lnTo>
-                      <a:pt x="2155165" y="1284970"/>
-                    </a:lnTo>
-                    <a:lnTo>
-                      <a:pt x="2230679" y="839924"/>
-                    </a:lnTo>
-                    <a:lnTo>
-                      <a:pt x="2236127" y="807730"/>
-                    </a:lnTo>
-                    <a:lnTo>
-                      <a:pt x="2241585" y="775602"/>
-                    </a:lnTo>
-                    <a:lnTo>
-                      <a:pt x="2256549" y="687934"/>
-                    </a:lnTo>
-                    <a:lnTo>
-                      <a:pt x="2261769" y="657196"/>
-                    </a:lnTo>
-                    <a:lnTo>
-                      <a:pt x="2266874" y="626488"/>
-                    </a:lnTo>
-                    <a:lnTo>
-                      <a:pt x="2301097" y="425082"/>
-                    </a:lnTo>
-                    <a:lnTo>
-                      <a:pt x="2306193" y="395383"/>
-                    </a:lnTo>
-                    <a:lnTo>
-                      <a:pt x="2311184" y="365751"/>
-                    </a:lnTo>
-                    <a:lnTo>
-                      <a:pt x="2361171" y="70933"/>
-                    </a:lnTo>
-                    <a:lnTo>
-                      <a:pt x="1943529" y="0"/>
-                    </a:lnTo>
-                    <a:lnTo>
-                      <a:pt x="1943529" y="239430"/>
-                    </a:lnTo>
-                    <a:lnTo>
-                      <a:pt x="1943529" y="270777"/>
-                    </a:lnTo>
-                    <a:lnTo>
-                      <a:pt x="1943529" y="302209"/>
-                    </a:lnTo>
-                    <a:lnTo>
-                      <a:pt x="1943529" y="459934"/>
-                    </a:lnTo>
-                    <a:lnTo>
-                      <a:pt x="1943529" y="493319"/>
-                    </a:lnTo>
-                    <a:lnTo>
-                      <a:pt x="1943586" y="526752"/>
-                    </a:lnTo>
-                    <a:lnTo>
-                      <a:pt x="1943586" y="573091"/>
-                    </a:lnTo>
-                    <a:lnTo>
-                      <a:pt x="1943586" y="609029"/>
-                    </a:lnTo>
-                    <a:lnTo>
-                      <a:pt x="1943586" y="644900"/>
-                    </a:lnTo>
-                    <a:lnTo>
-                      <a:pt x="1943586" y="859641"/>
-                    </a:lnTo>
-                    <a:lnTo>
-                      <a:pt x="1943586" y="919029"/>
-                    </a:lnTo>
-                    <a:lnTo>
-                      <a:pt x="1884188" y="919029"/>
-                    </a:lnTo>
-                    <a:lnTo>
-                      <a:pt x="776288" y="919086"/>
-                    </a:lnTo>
-                    <a:lnTo>
-                      <a:pt x="740416" y="919086"/>
-                    </a:lnTo>
-                    <a:lnTo>
-                      <a:pt x="704488" y="919086"/>
-                    </a:lnTo>
-                    <a:lnTo>
-                      <a:pt x="394659" y="919086"/>
-                    </a:lnTo>
-                    <a:lnTo>
-                      <a:pt x="361274" y="919086"/>
-                    </a:lnTo>
-                    <a:lnTo>
-                      <a:pt x="327841" y="919086"/>
-                    </a:lnTo>
-                    <a:lnTo>
-                      <a:pt x="127283" y="919086"/>
-                    </a:lnTo>
-                    <a:lnTo>
-                      <a:pt x="95879" y="919086"/>
-                    </a:lnTo>
-                    <a:lnTo>
-                      <a:pt x="64494" y="919086"/>
-                    </a:lnTo>
-                    <a:lnTo>
-                      <a:pt x="0" y="919086"/>
-                    </a:lnTo>
-                    <a:lnTo>
-                      <a:pt x="60931" y="929440"/>
-                    </a:lnTo>
-                    <a:lnTo>
-                      <a:pt x="90573" y="934488"/>
-                    </a:lnTo>
-                    <a:lnTo>
-                      <a:pt x="120263" y="939536"/>
-                    </a:lnTo>
-                    <a:lnTo>
-                      <a:pt x="301533" y="970302"/>
-                    </a:lnTo>
-                    <a:close/>
-                  </a:path>
-                </a:pathLst>
-              </a:custGeom>
-              <a:solidFill>
-                <a:schemeClr val="accent2"/>
-              </a:solidFill>
-              <a:ln w="9525" cap="flat">
-                <a:noFill/>
-                <a:prstDash val="solid"/>
-                <a:miter/>
-              </a:ln>
-            </p:spPr>
-            <p:txBody>
-              <a:bodyPr wrap="none" rtlCol="0" anchor="ctr" anchorCtr="0">
-                <a:noAutofit/>
-              </a:bodyPr>
-              <a:lstStyle/>
-              <a:p>
-                <a:pPr algn="ctr"/>
-                <a:endParaRPr lang="de-AT" sz="8000" spc="-400">
-                  <a:effectLst>
-                    <a:glow>
-                      <a:schemeClr val="bg1"/>
-                    </a:glow>
-                  </a:effectLst>
-                  <a:latin typeface="Calibri" panose="020F0502020204030204" pitchFamily="34" charset="0"/>
-                  <a:cs typeface="Calibri" panose="020F0502020204030204" pitchFamily="34" charset="0"/>
-                </a:endParaRPr>
-              </a:p>
-            </p:txBody>
-          </p:sp>
-          <p:sp>
-            <p:nvSpPr>
-              <p:cNvPr id="3" name="Rechteck 2">
-                <a:extLst>
-                  <a:ext uri="{FF2B5EF4-FFF2-40B4-BE49-F238E27FC236}">
-                    <a16:creationId xmlns:a16="http://schemas.microsoft.com/office/drawing/2014/main" id="{6590F305-3F65-4DD9-9CE2-19EAB7C9EB73}"/>
-                  </a:ext>
-                </a:extLst>
-              </p:cNvPr>
-              <p:cNvSpPr/>
-              <p:nvPr/>
-            </p:nvSpPr>
-            <p:spPr>
-              <a:xfrm>
-                <a:off x="7362370" y="1735716"/>
-                <a:ext cx="1944000" cy="972000"/>
-              </a:xfrm>
-              <a:prstGeom prst="rect">
-                <a:avLst/>
-              </a:prstGeom>
-              <a:solidFill>
-                <a:schemeClr val="bg1"/>
-              </a:solidFill>
-              <a:ln>
-                <a:noFill/>
-              </a:ln>
-            </p:spPr>
-            <p:style>
-              <a:lnRef idx="2">
-                <a:schemeClr val="accent1">
-                  <a:shade val="50000"/>
-                </a:schemeClr>
-              </a:lnRef>
-              <a:fillRef idx="1">
-                <a:schemeClr val="accent1"/>
-              </a:fillRef>
-              <a:effectRef idx="0">
-                <a:schemeClr val="accent1"/>
-              </a:effectRef>
-              <a:fontRef idx="minor">
-                <a:schemeClr val="lt1"/>
-              </a:fontRef>
-            </p:style>
-            <p:txBody>
-              <a:bodyPr wrap="none" rtlCol="0" anchor="ctr" anchorCtr="0">
-                <a:noAutofit/>
-              </a:bodyPr>
-              <a:lstStyle/>
-              <a:p>
-                <a:pPr algn="ctr"/>
-                <a:endParaRPr lang="de-AT" sz="8000" spc="-400" dirty="0">
-                  <a:solidFill>
-                    <a:schemeClr val="bg1"/>
-                  </a:solidFill>
-                  <a:effectLst>
-                    <a:glow>
-                      <a:schemeClr val="bg1"/>
-                    </a:glow>
-                  </a:effectLst>
-                  <a:latin typeface="Calibri" panose="020F0502020204030204" pitchFamily="34" charset="0"/>
-                  <a:cs typeface="Calibri" panose="020F0502020204030204" pitchFamily="34" charset="0"/>
-                </a:endParaRPr>
-              </a:p>
-            </p:txBody>
-          </p:sp>
-          <p:sp>
-            <p:nvSpPr>
-              <p:cNvPr id="21" name="Grafik 14">
-                <a:extLst>
-                  <a:ext uri="{FF2B5EF4-FFF2-40B4-BE49-F238E27FC236}">
-                    <a16:creationId xmlns:a16="http://schemas.microsoft.com/office/drawing/2014/main" id="{A24185A9-5C95-449E-B9AC-15C907F2B5E1}"/>
-                  </a:ext>
-                </a:extLst>
-              </p:cNvPr>
-              <p:cNvSpPr/>
-              <p:nvPr/>
-            </p:nvSpPr>
-            <p:spPr>
-              <a:xfrm flipH="1">
-                <a:off x="7335866" y="1709839"/>
-                <a:ext cx="1998659" cy="1046973"/>
-              </a:xfrm>
-              <a:custGeom>
-                <a:avLst/>
-                <a:gdLst>
-                  <a:gd name="connsiteX0" fmla="*/ 582921 w 2350750"/>
-                  <a:gd name="connsiteY0" fmla="*/ 1231411 h 1231411"/>
-                  <a:gd name="connsiteX1" fmla="*/ 614324 w 2350750"/>
-                  <a:gd name="connsiteY1" fmla="*/ 1231411 h 1231411"/>
-                  <a:gd name="connsiteX2" fmla="*/ 825122 w 2350750"/>
-                  <a:gd name="connsiteY2" fmla="*/ 1231411 h 1231411"/>
-                  <a:gd name="connsiteX3" fmla="*/ 858498 w 2350750"/>
-                  <a:gd name="connsiteY3" fmla="*/ 1231411 h 1231411"/>
-                  <a:gd name="connsiteX4" fmla="*/ 891873 w 2350750"/>
-                  <a:gd name="connsiteY4" fmla="*/ 1231411 h 1231411"/>
-                  <a:gd name="connsiteX5" fmla="*/ 1211447 w 2350750"/>
-                  <a:gd name="connsiteY5" fmla="*/ 1231411 h 1231411"/>
-                  <a:gd name="connsiteX6" fmla="*/ 1247375 w 2350750"/>
-                  <a:gd name="connsiteY6" fmla="*/ 1231411 h 1231411"/>
-                  <a:gd name="connsiteX7" fmla="*/ 1283246 w 2350750"/>
-                  <a:gd name="connsiteY7" fmla="*/ 1231411 h 1231411"/>
-                  <a:gd name="connsiteX8" fmla="*/ 2350751 w 2350750"/>
-                  <a:gd name="connsiteY8" fmla="*/ 1231354 h 1231411"/>
-                  <a:gd name="connsiteX9" fmla="*/ 2350751 w 2350750"/>
-                  <a:gd name="connsiteY9" fmla="*/ 976274 h 1231411"/>
-                  <a:gd name="connsiteX10" fmla="*/ 2350751 w 2350750"/>
-                  <a:gd name="connsiteY10" fmla="*/ 940403 h 1231411"/>
-                  <a:gd name="connsiteX11" fmla="*/ 2350751 w 2350750"/>
-                  <a:gd name="connsiteY11" fmla="*/ 904532 h 1231411"/>
-                  <a:gd name="connsiteX12" fmla="*/ 2350751 w 2350750"/>
-                  <a:gd name="connsiteY12" fmla="*/ 867966 h 1231411"/>
-                  <a:gd name="connsiteX13" fmla="*/ 2350751 w 2350750"/>
-                  <a:gd name="connsiteY13" fmla="*/ 834533 h 1231411"/>
-                  <a:gd name="connsiteX14" fmla="*/ 2350751 w 2350750"/>
-                  <a:gd name="connsiteY14" fmla="*/ 801157 h 1231411"/>
-                  <a:gd name="connsiteX15" fmla="*/ 2350751 w 2350750"/>
-                  <a:gd name="connsiteY15" fmla="*/ 653606 h 1231411"/>
-                  <a:gd name="connsiteX16" fmla="*/ 2350751 w 2350750"/>
-                  <a:gd name="connsiteY16" fmla="*/ 622202 h 1231411"/>
-                  <a:gd name="connsiteX17" fmla="*/ 2350751 w 2350750"/>
-                  <a:gd name="connsiteY17" fmla="*/ 590798 h 1231411"/>
-                  <a:gd name="connsiteX18" fmla="*/ 2350751 w 2350750"/>
-                  <a:gd name="connsiteY18" fmla="*/ 361683 h 1231411"/>
-                  <a:gd name="connsiteX19" fmla="*/ 2350751 w 2350750"/>
-                  <a:gd name="connsiteY19" fmla="*/ 331575 h 1231411"/>
-                  <a:gd name="connsiteX20" fmla="*/ 2350751 w 2350750"/>
-                  <a:gd name="connsiteY20" fmla="*/ 301476 h 1231411"/>
-                  <a:gd name="connsiteX21" fmla="*/ 2350751 w 2350750"/>
-                  <a:gd name="connsiteY21" fmla="*/ 0 h 1231411"/>
-                  <a:gd name="connsiteX22" fmla="*/ 575320 w 2350750"/>
-                  <a:gd name="connsiteY22" fmla="*/ 57 h 1231411"/>
-                  <a:gd name="connsiteX23" fmla="*/ 458305 w 2350750"/>
-                  <a:gd name="connsiteY23" fmla="*/ 57 h 1231411"/>
-                  <a:gd name="connsiteX24" fmla="*/ 66284 w 2350750"/>
-                  <a:gd name="connsiteY24" fmla="*/ 57 h 1231411"/>
-                  <a:gd name="connsiteX25" fmla="*/ 0 w 2350750"/>
-                  <a:gd name="connsiteY25" fmla="*/ 66351 h 1231411"/>
-                  <a:gd name="connsiteX26" fmla="*/ 57 w 2350750"/>
-                  <a:gd name="connsiteY26" fmla="*/ 1231411 h 1231411"/>
-                  <a:gd name="connsiteX27" fmla="*/ 249365 w 2350750"/>
-                  <a:gd name="connsiteY27" fmla="*/ 1231411 h 1231411"/>
-                  <a:gd name="connsiteX28" fmla="*/ 279492 w 2350750"/>
-                  <a:gd name="connsiteY28" fmla="*/ 1231411 h 1231411"/>
-                  <a:gd name="connsiteX29" fmla="*/ 309601 w 2350750"/>
-                  <a:gd name="connsiteY29" fmla="*/ 1231411 h 1231411"/>
-                  <a:gd name="connsiteX30" fmla="*/ 551574 w 2350750"/>
-                  <a:gd name="connsiteY30" fmla="*/ 1231411 h 1231411"/>
-                  <a:gd name="connsiteX31" fmla="*/ 582921 w 2350750"/>
-                  <a:gd name="connsiteY31" fmla="*/ 1231411 h 1231411"/>
-                  <a:gd name="connsiteX32" fmla="*/ 2141096 w 2350750"/>
-                  <a:gd name="connsiteY32" fmla="*/ 1026700 h 1231411"/>
-                  <a:gd name="connsiteX33" fmla="*/ 1422292 w 2350750"/>
-                  <a:gd name="connsiteY33" fmla="*/ 1026700 h 1231411"/>
-                  <a:gd name="connsiteX34" fmla="*/ 1386421 w 2350750"/>
-                  <a:gd name="connsiteY34" fmla="*/ 1026700 h 1231411"/>
-                  <a:gd name="connsiteX35" fmla="*/ 1350540 w 2350750"/>
-                  <a:gd name="connsiteY35" fmla="*/ 1026700 h 1231411"/>
-                  <a:gd name="connsiteX36" fmla="*/ 1068324 w 2350750"/>
-                  <a:gd name="connsiteY36" fmla="*/ 1026700 h 1231411"/>
-                  <a:gd name="connsiteX37" fmla="*/ 1068324 w 2350750"/>
-                  <a:gd name="connsiteY37" fmla="*/ 899598 h 1231411"/>
-                  <a:gd name="connsiteX38" fmla="*/ 1436846 w 2350750"/>
-                  <a:gd name="connsiteY38" fmla="*/ 899598 h 1231411"/>
-                  <a:gd name="connsiteX39" fmla="*/ 1472717 w 2350750"/>
-                  <a:gd name="connsiteY39" fmla="*/ 899598 h 1231411"/>
-                  <a:gd name="connsiteX40" fmla="*/ 1508646 w 2350750"/>
-                  <a:gd name="connsiteY40" fmla="*/ 899598 h 1231411"/>
-                  <a:gd name="connsiteX41" fmla="*/ 2141039 w 2350750"/>
-                  <a:gd name="connsiteY41" fmla="*/ 899598 h 1231411"/>
-                  <a:gd name="connsiteX42" fmla="*/ 2141039 w 2350750"/>
-                  <a:gd name="connsiteY42" fmla="*/ 1026700 h 1231411"/>
-                  <a:gd name="connsiteX43" fmla="*/ 2141096 w 2350750"/>
-                  <a:gd name="connsiteY43" fmla="*/ 1026700 h 1231411"/>
-                  <a:gd name="connsiteX44" fmla="*/ 2141096 w 2350750"/>
-                  <a:gd name="connsiteY44" fmla="*/ 679752 h 1231411"/>
-                  <a:gd name="connsiteX45" fmla="*/ 2115293 w 2350750"/>
-                  <a:gd name="connsiteY45" fmla="*/ 679752 h 1231411"/>
-                  <a:gd name="connsiteX46" fmla="*/ 2050504 w 2350750"/>
-                  <a:gd name="connsiteY46" fmla="*/ 679752 h 1231411"/>
-                  <a:gd name="connsiteX47" fmla="*/ 2019995 w 2350750"/>
-                  <a:gd name="connsiteY47" fmla="*/ 679752 h 1231411"/>
-                  <a:gd name="connsiteX48" fmla="*/ 1985543 w 2350750"/>
-                  <a:gd name="connsiteY48" fmla="*/ 679752 h 1231411"/>
-                  <a:gd name="connsiteX49" fmla="*/ 1967160 w 2350750"/>
-                  <a:gd name="connsiteY49" fmla="*/ 679752 h 1231411"/>
-                  <a:gd name="connsiteX50" fmla="*/ 1914315 w 2350750"/>
-                  <a:gd name="connsiteY50" fmla="*/ 679752 h 1231411"/>
-                  <a:gd name="connsiteX51" fmla="*/ 1658017 w 2350750"/>
-                  <a:gd name="connsiteY51" fmla="*/ 679752 h 1231411"/>
-                  <a:gd name="connsiteX52" fmla="*/ 1622089 w 2350750"/>
-                  <a:gd name="connsiteY52" fmla="*/ 679752 h 1231411"/>
-                  <a:gd name="connsiteX53" fmla="*/ 1586217 w 2350750"/>
-                  <a:gd name="connsiteY53" fmla="*/ 679752 h 1231411"/>
-                  <a:gd name="connsiteX54" fmla="*/ 1176052 w 2350750"/>
-                  <a:gd name="connsiteY54" fmla="*/ 679752 h 1231411"/>
-                  <a:gd name="connsiteX55" fmla="*/ 1142619 w 2350750"/>
-                  <a:gd name="connsiteY55" fmla="*/ 679752 h 1231411"/>
-                  <a:gd name="connsiteX56" fmla="*/ 1109243 w 2350750"/>
-                  <a:gd name="connsiteY56" fmla="*/ 679752 h 1231411"/>
-                  <a:gd name="connsiteX57" fmla="*/ 1068267 w 2350750"/>
-                  <a:gd name="connsiteY57" fmla="*/ 679752 h 1231411"/>
-                  <a:gd name="connsiteX58" fmla="*/ 1068267 w 2350750"/>
-                  <a:gd name="connsiteY58" fmla="*/ 552640 h 1231411"/>
-                  <a:gd name="connsiteX59" fmla="*/ 1174699 w 2350750"/>
-                  <a:gd name="connsiteY59" fmla="*/ 552640 h 1231411"/>
-                  <a:gd name="connsiteX60" fmla="*/ 1208075 w 2350750"/>
-                  <a:gd name="connsiteY60" fmla="*/ 552640 h 1231411"/>
-                  <a:gd name="connsiteX61" fmla="*/ 1241517 w 2350750"/>
-                  <a:gd name="connsiteY61" fmla="*/ 552640 h 1231411"/>
-                  <a:gd name="connsiteX62" fmla="*/ 1672600 w 2350750"/>
-                  <a:gd name="connsiteY62" fmla="*/ 552640 h 1231411"/>
-                  <a:gd name="connsiteX63" fmla="*/ 1708471 w 2350750"/>
-                  <a:gd name="connsiteY63" fmla="*/ 552640 h 1231411"/>
-                  <a:gd name="connsiteX64" fmla="*/ 1738808 w 2350750"/>
-                  <a:gd name="connsiteY64" fmla="*/ 552640 h 1231411"/>
-                  <a:gd name="connsiteX65" fmla="*/ 1780042 w 2350750"/>
-                  <a:gd name="connsiteY65" fmla="*/ 552640 h 1231411"/>
-                  <a:gd name="connsiteX66" fmla="*/ 1803740 w 2350750"/>
-                  <a:gd name="connsiteY66" fmla="*/ 552640 h 1231411"/>
-                  <a:gd name="connsiteX67" fmla="*/ 1832886 w 2350750"/>
-                  <a:gd name="connsiteY67" fmla="*/ 552640 h 1231411"/>
-                  <a:gd name="connsiteX68" fmla="*/ 1868529 w 2350750"/>
-                  <a:gd name="connsiteY68" fmla="*/ 552640 h 1231411"/>
-                  <a:gd name="connsiteX69" fmla="*/ 2057143 w 2350750"/>
-                  <a:gd name="connsiteY69" fmla="*/ 552640 h 1231411"/>
-                  <a:gd name="connsiteX70" fmla="*/ 2141115 w 2350750"/>
-                  <a:gd name="connsiteY70" fmla="*/ 552640 h 1231411"/>
-                  <a:gd name="connsiteX71" fmla="*/ 2141115 w 2350750"/>
-                  <a:gd name="connsiteY71" fmla="*/ 581501 h 1231411"/>
-                  <a:gd name="connsiteX72" fmla="*/ 2141115 w 2350750"/>
-                  <a:gd name="connsiteY72" fmla="*/ 679752 h 1231411"/>
-                  <a:gd name="connsiteX73" fmla="*/ 2141096 w 2350750"/>
-                  <a:gd name="connsiteY73" fmla="*/ 204740 h 1231411"/>
-                  <a:gd name="connsiteX74" fmla="*/ 2141096 w 2350750"/>
-                  <a:gd name="connsiteY74" fmla="*/ 265843 h 1231411"/>
-                  <a:gd name="connsiteX75" fmla="*/ 2141096 w 2350750"/>
-                  <a:gd name="connsiteY75" fmla="*/ 295942 h 1231411"/>
-                  <a:gd name="connsiteX76" fmla="*/ 2141096 w 2350750"/>
-                  <a:gd name="connsiteY76" fmla="*/ 326069 h 1231411"/>
-                  <a:gd name="connsiteX77" fmla="*/ 2141096 w 2350750"/>
-                  <a:gd name="connsiteY77" fmla="*/ 331813 h 1231411"/>
-                  <a:gd name="connsiteX78" fmla="*/ 1597152 w 2350750"/>
-                  <a:gd name="connsiteY78" fmla="*/ 331813 h 1231411"/>
-                  <a:gd name="connsiteX79" fmla="*/ 1505741 w 2350750"/>
-                  <a:gd name="connsiteY79" fmla="*/ 331813 h 1231411"/>
-                  <a:gd name="connsiteX80" fmla="*/ 1439704 w 2350750"/>
-                  <a:gd name="connsiteY80" fmla="*/ 331813 h 1231411"/>
-                  <a:gd name="connsiteX81" fmla="*/ 1414272 w 2350750"/>
-                  <a:gd name="connsiteY81" fmla="*/ 331813 h 1231411"/>
-                  <a:gd name="connsiteX82" fmla="*/ 1374886 w 2350750"/>
-                  <a:gd name="connsiteY82" fmla="*/ 331813 h 1231411"/>
-                  <a:gd name="connsiteX83" fmla="*/ 1321727 w 2350750"/>
-                  <a:gd name="connsiteY83" fmla="*/ 331813 h 1231411"/>
-                  <a:gd name="connsiteX84" fmla="*/ 1288352 w 2350750"/>
-                  <a:gd name="connsiteY84" fmla="*/ 331813 h 1231411"/>
-                  <a:gd name="connsiteX85" fmla="*/ 1068191 w 2350750"/>
-                  <a:gd name="connsiteY85" fmla="*/ 331813 h 1231411"/>
-                  <a:gd name="connsiteX86" fmla="*/ 1068191 w 2350750"/>
-                  <a:gd name="connsiteY86" fmla="*/ 212912 h 1231411"/>
-                  <a:gd name="connsiteX87" fmla="*/ 1068191 w 2350750"/>
-                  <a:gd name="connsiteY87" fmla="*/ 204740 h 1231411"/>
-                  <a:gd name="connsiteX88" fmla="*/ 1135732 w 2350750"/>
-                  <a:gd name="connsiteY88" fmla="*/ 204740 h 1231411"/>
-                  <a:gd name="connsiteX89" fmla="*/ 1227077 w 2350750"/>
-                  <a:gd name="connsiteY89" fmla="*/ 204740 h 1231411"/>
-                  <a:gd name="connsiteX90" fmla="*/ 1425950 w 2350750"/>
-                  <a:gd name="connsiteY90" fmla="*/ 204740 h 1231411"/>
-                  <a:gd name="connsiteX91" fmla="*/ 1603372 w 2350750"/>
-                  <a:gd name="connsiteY91" fmla="*/ 204740 h 1231411"/>
-                  <a:gd name="connsiteX92" fmla="*/ 1780880 w 2350750"/>
-                  <a:gd name="connsiteY92" fmla="*/ 204740 h 1231411"/>
-                  <a:gd name="connsiteX93" fmla="*/ 2141096 w 2350750"/>
-                  <a:gd name="connsiteY93" fmla="*/ 204740 h 1231411"/>
-                  <a:gd name="connsiteX94" fmla="*/ 332651 w 2350750"/>
-                  <a:gd name="connsiteY94" fmla="*/ 1095604 h 1231411"/>
-                  <a:gd name="connsiteX95" fmla="*/ 302514 w 2350750"/>
-                  <a:gd name="connsiteY95" fmla="*/ 1095604 h 1231411"/>
-                  <a:gd name="connsiteX96" fmla="*/ 272348 w 2350750"/>
-                  <a:gd name="connsiteY96" fmla="*/ 1095604 h 1231411"/>
-                  <a:gd name="connsiteX97" fmla="*/ 209683 w 2350750"/>
-                  <a:gd name="connsiteY97" fmla="*/ 1095604 h 1231411"/>
-                  <a:gd name="connsiteX98" fmla="*/ 339890 w 2350750"/>
-                  <a:gd name="connsiteY98" fmla="*/ 698021 h 1231411"/>
-                  <a:gd name="connsiteX99" fmla="*/ 376342 w 2350750"/>
-                  <a:gd name="connsiteY99" fmla="*/ 660787 h 1231411"/>
-                  <a:gd name="connsiteX100" fmla="*/ 411147 w 2350750"/>
-                  <a:gd name="connsiteY100" fmla="*/ 633355 h 1231411"/>
-                  <a:gd name="connsiteX101" fmla="*/ 475640 w 2350750"/>
-                  <a:gd name="connsiteY101" fmla="*/ 600151 h 1231411"/>
-                  <a:gd name="connsiteX102" fmla="*/ 421500 w 2350750"/>
-                  <a:gd name="connsiteY102" fmla="*/ 572424 h 1231411"/>
-                  <a:gd name="connsiteX103" fmla="*/ 395049 w 2350750"/>
-                  <a:gd name="connsiteY103" fmla="*/ 550612 h 1231411"/>
-                  <a:gd name="connsiteX104" fmla="*/ 369761 w 2350750"/>
-                  <a:gd name="connsiteY104" fmla="*/ 522341 h 1231411"/>
-                  <a:gd name="connsiteX105" fmla="*/ 318487 w 2350750"/>
-                  <a:gd name="connsiteY105" fmla="*/ 375780 h 1231411"/>
-                  <a:gd name="connsiteX106" fmla="*/ 428711 w 2350750"/>
-                  <a:gd name="connsiteY106" fmla="*/ 174374 h 1231411"/>
-                  <a:gd name="connsiteX107" fmla="*/ 461858 w 2350750"/>
-                  <a:gd name="connsiteY107" fmla="*/ 156362 h 1231411"/>
-                  <a:gd name="connsiteX108" fmla="*/ 493814 w 2350750"/>
-                  <a:gd name="connsiteY108" fmla="*/ 145752 h 1231411"/>
-                  <a:gd name="connsiteX109" fmla="*/ 558422 w 2350750"/>
-                  <a:gd name="connsiteY109" fmla="*/ 135826 h 1231411"/>
-                  <a:gd name="connsiteX110" fmla="*/ 798357 w 2350750"/>
-                  <a:gd name="connsiteY110" fmla="*/ 375771 h 1231411"/>
-                  <a:gd name="connsiteX111" fmla="*/ 641271 w 2350750"/>
-                  <a:gd name="connsiteY111" fmla="*/ 600142 h 1231411"/>
-                  <a:gd name="connsiteX112" fmla="*/ 745931 w 2350750"/>
-                  <a:gd name="connsiteY112" fmla="*/ 665531 h 1231411"/>
-                  <a:gd name="connsiteX113" fmla="*/ 769163 w 2350750"/>
-                  <a:gd name="connsiteY113" fmla="*/ 689400 h 1231411"/>
-                  <a:gd name="connsiteX114" fmla="*/ 791289 w 2350750"/>
-                  <a:gd name="connsiteY114" fmla="*/ 716309 h 1231411"/>
-                  <a:gd name="connsiteX115" fmla="*/ 906418 w 2350750"/>
-                  <a:gd name="connsiteY115" fmla="*/ 1073563 h 1231411"/>
-                  <a:gd name="connsiteX116" fmla="*/ 907171 w 2350750"/>
-                  <a:gd name="connsiteY116" fmla="*/ 1095651 h 1231411"/>
-                  <a:gd name="connsiteX117" fmla="*/ 895055 w 2350750"/>
-                  <a:gd name="connsiteY117" fmla="*/ 1095651 h 1231411"/>
-                  <a:gd name="connsiteX118" fmla="*/ 661016 w 2350750"/>
-                  <a:gd name="connsiteY118" fmla="*/ 1095651 h 1231411"/>
-                  <a:gd name="connsiteX119" fmla="*/ 629612 w 2350750"/>
-                  <a:gd name="connsiteY119" fmla="*/ 1095651 h 1231411"/>
-                  <a:gd name="connsiteX120" fmla="*/ 598180 w 2350750"/>
-                  <a:gd name="connsiteY120" fmla="*/ 1095651 h 1231411"/>
-                  <a:gd name="connsiteX121" fmla="*/ 332651 w 2350750"/>
-                  <a:gd name="connsiteY121" fmla="*/ 1095651 h 1231411"/>
-                  <a:gd name="connsiteX122" fmla="*/ 332651 w 2350750"/>
-                  <a:gd name="connsiteY122" fmla="*/ 1095604 h 1231411"/>
-                </a:gdLst>
-                <a:ahLst/>
-                <a:cxnLst>
-                  <a:cxn ang="0">
-                    <a:pos x="connsiteX0" y="connsiteY0"/>
-                  </a:cxn>
-                  <a:cxn ang="0">
-                    <a:pos x="connsiteX1" y="connsiteY1"/>
-                  </a:cxn>
-                  <a:cxn ang="0">
-                    <a:pos x="connsiteX2" y="connsiteY2"/>
-                  </a:cxn>
-                  <a:cxn ang="0">
-                    <a:pos x="connsiteX3" y="connsiteY3"/>
-                  </a:cxn>
-                  <a:cxn ang="0">
-                    <a:pos x="connsiteX4" y="connsiteY4"/>
-                  </a:cxn>
-                  <a:cxn ang="0">
-                    <a:pos x="connsiteX5" y="connsiteY5"/>
-                  </a:cxn>
-                  <a:cxn ang="0">
-                    <a:pos x="connsiteX6" y="connsiteY6"/>
-                  </a:cxn>
-                  <a:cxn ang="0">
-                    <a:pos x="connsiteX7" y="connsiteY7"/>
-                  </a:cxn>
-                  <a:cxn ang="0">
-                    <a:pos x="connsiteX8" y="connsiteY8"/>
-                  </a:cxn>
-                  <a:cxn ang="0">
-                    <a:pos x="connsiteX9" y="connsiteY9"/>
-                  </a:cxn>
-                  <a:cxn ang="0">
-                    <a:pos x="connsiteX10" y="connsiteY10"/>
-                  </a:cxn>
-                  <a:cxn ang="0">
-                    <a:pos x="connsiteX11" y="connsiteY11"/>
-                  </a:cxn>
-                  <a:cxn ang="0">
-                    <a:pos x="connsiteX12" y="connsiteY12"/>
-                  </a:cxn>
-                  <a:cxn ang="0">
-                    <a:pos x="connsiteX13" y="connsiteY13"/>
-                  </a:cxn>
-                  <a:cxn ang="0">
-                    <a:pos x="connsiteX14" y="connsiteY14"/>
-                  </a:cxn>
-                  <a:cxn ang="0">
-                    <a:pos x="connsiteX15" y="connsiteY15"/>
-                  </a:cxn>
-                  <a:cxn ang="0">
-                    <a:pos x="connsiteX16" y="connsiteY16"/>
-                  </a:cxn>
-                  <a:cxn ang="0">
-                    <a:pos x="connsiteX17" y="connsiteY17"/>
-                  </a:cxn>
-                  <a:cxn ang="0">
-                    <a:pos x="connsiteX18" y="connsiteY18"/>
-                  </a:cxn>
-                  <a:cxn ang="0">
-                    <a:pos x="connsiteX19" y="connsiteY19"/>
-                  </a:cxn>
-                  <a:cxn ang="0">
-                    <a:pos x="connsiteX20" y="connsiteY20"/>
-                  </a:cxn>
-                  <a:cxn ang="0">
-                    <a:pos x="connsiteX21" y="connsiteY21"/>
-                  </a:cxn>
-                  <a:cxn ang="0">
-                    <a:pos x="connsiteX22" y="connsiteY22"/>
-                  </a:cxn>
-                  <a:cxn ang="0">
-                    <a:pos x="connsiteX23" y="connsiteY23"/>
-                  </a:cxn>
-                  <a:cxn ang="0">
-                    <a:pos x="connsiteX24" y="connsiteY24"/>
-                  </a:cxn>
-                  <a:cxn ang="0">
-                    <a:pos x="connsiteX25" y="connsiteY25"/>
-                  </a:cxn>
-                  <a:cxn ang="0">
-                    <a:pos x="connsiteX26" y="connsiteY26"/>
-                  </a:cxn>
-                  <a:cxn ang="0">
-                    <a:pos x="connsiteX27" y="connsiteY27"/>
-                  </a:cxn>
-                  <a:cxn ang="0">
-                    <a:pos x="connsiteX28" y="connsiteY28"/>
-                  </a:cxn>
-                  <a:cxn ang="0">
-                    <a:pos x="connsiteX29" y="connsiteY29"/>
-                  </a:cxn>
-                  <a:cxn ang="0">
-                    <a:pos x="connsiteX30" y="connsiteY30"/>
-                  </a:cxn>
-                  <a:cxn ang="0">
-                    <a:pos x="connsiteX31" y="connsiteY31"/>
-                  </a:cxn>
-                  <a:cxn ang="0">
-                    <a:pos x="connsiteX32" y="connsiteY32"/>
-                  </a:cxn>
-                  <a:cxn ang="0">
-                    <a:pos x="connsiteX33" y="connsiteY33"/>
-                  </a:cxn>
-                  <a:cxn ang="0">
-                    <a:pos x="connsiteX34" y="connsiteY34"/>
-                  </a:cxn>
-                  <a:cxn ang="0">
-                    <a:pos x="connsiteX35" y="connsiteY35"/>
-                  </a:cxn>
-                  <a:cxn ang="0">
-                    <a:pos x="connsiteX36" y="connsiteY36"/>
-                  </a:cxn>
-                  <a:cxn ang="0">
-                    <a:pos x="connsiteX37" y="connsiteY37"/>
-                  </a:cxn>
-                  <a:cxn ang="0">
-                    <a:pos x="connsiteX38" y="connsiteY38"/>
-                  </a:cxn>
-                  <a:cxn ang="0">
-                    <a:pos x="connsiteX39" y="connsiteY39"/>
-                  </a:cxn>
-                  <a:cxn ang="0">
-                    <a:pos x="connsiteX40" y="connsiteY40"/>
-                  </a:cxn>
-                  <a:cxn ang="0">
-                    <a:pos x="connsiteX41" y="connsiteY41"/>
-                  </a:cxn>
-                  <a:cxn ang="0">
-                    <a:pos x="connsiteX42" y="connsiteY42"/>
-                  </a:cxn>
-                  <a:cxn ang="0">
-                    <a:pos x="connsiteX43" y="connsiteY43"/>
-                  </a:cxn>
-                  <a:cxn ang="0">
-                    <a:pos x="connsiteX44" y="connsiteY44"/>
-                  </a:cxn>
-                  <a:cxn ang="0">
-                    <a:pos x="connsiteX45" y="connsiteY45"/>
-                  </a:cxn>
-                  <a:cxn ang="0">
-                    <a:pos x="connsiteX46" y="connsiteY46"/>
-                  </a:cxn>
-                  <a:cxn ang="0">
-                    <a:pos x="connsiteX47" y="connsiteY47"/>
-                  </a:cxn>
-                  <a:cxn ang="0">
-                    <a:pos x="connsiteX48" y="connsiteY48"/>
-                  </a:cxn>
-                  <a:cxn ang="0">
-                    <a:pos x="connsiteX49" y="connsiteY49"/>
-                  </a:cxn>
-                  <a:cxn ang="0">
-                    <a:pos x="connsiteX50" y="connsiteY50"/>
-                  </a:cxn>
-                  <a:cxn ang="0">
-                    <a:pos x="connsiteX51" y="connsiteY51"/>
-                  </a:cxn>
-                  <a:cxn ang="0">
-                    <a:pos x="connsiteX52" y="connsiteY52"/>
-                  </a:cxn>
-                  <a:cxn ang="0">
-                    <a:pos x="connsiteX53" y="connsiteY53"/>
-                  </a:cxn>
-                  <a:cxn ang="0">
-                    <a:pos x="connsiteX54" y="connsiteY54"/>
-                  </a:cxn>
-                  <a:cxn ang="0">
-                    <a:pos x="connsiteX55" y="connsiteY55"/>
-                  </a:cxn>
-                  <a:cxn ang="0">
-                    <a:pos x="connsiteX56" y="connsiteY56"/>
-                  </a:cxn>
-                  <a:cxn ang="0">
-                    <a:pos x="connsiteX57" y="connsiteY57"/>
-                  </a:cxn>
-                  <a:cxn ang="0">
-                    <a:pos x="connsiteX58" y="connsiteY58"/>
-                  </a:cxn>
-                  <a:cxn ang="0">
-                    <a:pos x="connsiteX59" y="connsiteY59"/>
-                  </a:cxn>
-                  <a:cxn ang="0">
-                    <a:pos x="connsiteX60" y="connsiteY60"/>
-                  </a:cxn>
-                  <a:cxn ang="0">
-                    <a:pos x="connsiteX61" y="connsiteY61"/>
-                  </a:cxn>
-                  <a:cxn ang="0">
-                    <a:pos x="connsiteX62" y="connsiteY62"/>
-                  </a:cxn>
-                  <a:cxn ang="0">
-                    <a:pos x="connsiteX63" y="connsiteY63"/>
-                  </a:cxn>
-                  <a:cxn ang="0">
-                    <a:pos x="connsiteX64" y="connsiteY64"/>
-                  </a:cxn>
-                  <a:cxn ang="0">
-                    <a:pos x="connsiteX65" y="connsiteY65"/>
-                  </a:cxn>
-                  <a:cxn ang="0">
-                    <a:pos x="connsiteX66" y="connsiteY66"/>
-                  </a:cxn>
-                  <a:cxn ang="0">
-                    <a:pos x="connsiteX67" y="connsiteY67"/>
-                  </a:cxn>
-                  <a:cxn ang="0">
-                    <a:pos x="connsiteX68" y="connsiteY68"/>
-                  </a:cxn>
-                  <a:cxn ang="0">
-                    <a:pos x="connsiteX69" y="connsiteY69"/>
-                  </a:cxn>
-                  <a:cxn ang="0">
-                    <a:pos x="connsiteX70" y="connsiteY70"/>
-                  </a:cxn>
-                  <a:cxn ang="0">
-                    <a:pos x="connsiteX71" y="connsiteY71"/>
-                  </a:cxn>
-                  <a:cxn ang="0">
-                    <a:pos x="connsiteX72" y="connsiteY72"/>
-                  </a:cxn>
-                  <a:cxn ang="0">
-                    <a:pos x="connsiteX73" y="connsiteY73"/>
-                  </a:cxn>
-                  <a:cxn ang="0">
-                    <a:pos x="connsiteX74" y="connsiteY74"/>
-                  </a:cxn>
-                  <a:cxn ang="0">
-                    <a:pos x="connsiteX75" y="connsiteY75"/>
-                  </a:cxn>
-                  <a:cxn ang="0">
-                    <a:pos x="connsiteX76" y="connsiteY76"/>
-                  </a:cxn>
-                  <a:cxn ang="0">
-                    <a:pos x="connsiteX77" y="connsiteY77"/>
-                  </a:cxn>
-                  <a:cxn ang="0">
-                    <a:pos x="connsiteX78" y="connsiteY78"/>
-                  </a:cxn>
-                  <a:cxn ang="0">
-                    <a:pos x="connsiteX79" y="connsiteY79"/>
-                  </a:cxn>
-                  <a:cxn ang="0">
-                    <a:pos x="connsiteX80" y="connsiteY80"/>
-                  </a:cxn>
-                  <a:cxn ang="0">
-                    <a:pos x="connsiteX81" y="connsiteY81"/>
-                  </a:cxn>
-                  <a:cxn ang="0">
-                    <a:pos x="connsiteX82" y="connsiteY82"/>
-                  </a:cxn>
-                  <a:cxn ang="0">
-                    <a:pos x="connsiteX83" y="connsiteY83"/>
-                  </a:cxn>
-                  <a:cxn ang="0">
-                    <a:pos x="connsiteX84" y="connsiteY84"/>
-                  </a:cxn>
-                  <a:cxn ang="0">
-                    <a:pos x="connsiteX85" y="connsiteY85"/>
-                  </a:cxn>
-                  <a:cxn ang="0">
-                    <a:pos x="connsiteX86" y="connsiteY86"/>
-                  </a:cxn>
-                  <a:cxn ang="0">
-                    <a:pos x="connsiteX87" y="connsiteY87"/>
-                  </a:cxn>
-                  <a:cxn ang="0">
-                    <a:pos x="connsiteX88" y="connsiteY88"/>
-                  </a:cxn>
-                  <a:cxn ang="0">
-                    <a:pos x="connsiteX89" y="connsiteY89"/>
-                  </a:cxn>
-                  <a:cxn ang="0">
-                    <a:pos x="connsiteX90" y="connsiteY90"/>
-                  </a:cxn>
-                  <a:cxn ang="0">
-                    <a:pos x="connsiteX91" y="connsiteY91"/>
-                  </a:cxn>
-                  <a:cxn ang="0">
-                    <a:pos x="connsiteX92" y="connsiteY92"/>
-                  </a:cxn>
-                  <a:cxn ang="0">
-                    <a:pos x="connsiteX93" y="connsiteY93"/>
-                  </a:cxn>
-                  <a:cxn ang="0">
-                    <a:pos x="connsiteX94" y="connsiteY94"/>
-                  </a:cxn>
-                  <a:cxn ang="0">
-                    <a:pos x="connsiteX95" y="connsiteY95"/>
-                  </a:cxn>
-                  <a:cxn ang="0">
-                    <a:pos x="connsiteX96" y="connsiteY96"/>
-                  </a:cxn>
-                  <a:cxn ang="0">
-                    <a:pos x="connsiteX97" y="connsiteY97"/>
-                  </a:cxn>
-                  <a:cxn ang="0">
-                    <a:pos x="connsiteX98" y="connsiteY98"/>
-                  </a:cxn>
-                  <a:cxn ang="0">
-                    <a:pos x="connsiteX99" y="connsiteY99"/>
-                  </a:cxn>
-                  <a:cxn ang="0">
-                    <a:pos x="connsiteX100" y="connsiteY100"/>
-                  </a:cxn>
-                  <a:cxn ang="0">
-                    <a:pos x="connsiteX101" y="connsiteY101"/>
-                  </a:cxn>
-                  <a:cxn ang="0">
-                    <a:pos x="connsiteX102" y="connsiteY102"/>
-                  </a:cxn>
-                  <a:cxn ang="0">
-                    <a:pos x="connsiteX103" y="connsiteY103"/>
-                  </a:cxn>
-                  <a:cxn ang="0">
-                    <a:pos x="connsiteX104" y="connsiteY104"/>
-                  </a:cxn>
-                  <a:cxn ang="0">
-                    <a:pos x="connsiteX105" y="connsiteY105"/>
-                  </a:cxn>
-                  <a:cxn ang="0">
-                    <a:pos x="connsiteX106" y="connsiteY106"/>
-                  </a:cxn>
-                  <a:cxn ang="0">
-                    <a:pos x="connsiteX107" y="connsiteY107"/>
-                  </a:cxn>
-                  <a:cxn ang="0">
-                    <a:pos x="connsiteX108" y="connsiteY108"/>
-                  </a:cxn>
-                  <a:cxn ang="0">
-                    <a:pos x="connsiteX109" y="connsiteY109"/>
-                  </a:cxn>
-                  <a:cxn ang="0">
-                    <a:pos x="connsiteX110" y="connsiteY110"/>
-                  </a:cxn>
-                  <a:cxn ang="0">
-                    <a:pos x="connsiteX111" y="connsiteY111"/>
-                  </a:cxn>
-                  <a:cxn ang="0">
-                    <a:pos x="connsiteX112" y="connsiteY112"/>
-                  </a:cxn>
-                  <a:cxn ang="0">
-                    <a:pos x="connsiteX113" y="connsiteY113"/>
-                  </a:cxn>
-                  <a:cxn ang="0">
-                    <a:pos x="connsiteX114" y="connsiteY114"/>
-                  </a:cxn>
-                  <a:cxn ang="0">
-                    <a:pos x="connsiteX115" y="connsiteY115"/>
-                  </a:cxn>
-                  <a:cxn ang="0">
-                    <a:pos x="connsiteX116" y="connsiteY116"/>
-                  </a:cxn>
-                  <a:cxn ang="0">
-                    <a:pos x="connsiteX117" y="connsiteY117"/>
-                  </a:cxn>
-                  <a:cxn ang="0">
-                    <a:pos x="connsiteX118" y="connsiteY118"/>
-                  </a:cxn>
-                  <a:cxn ang="0">
-                    <a:pos x="connsiteX119" y="connsiteY119"/>
-                  </a:cxn>
-                  <a:cxn ang="0">
-                    <a:pos x="connsiteX120" y="connsiteY120"/>
-                  </a:cxn>
-                  <a:cxn ang="0">
-                    <a:pos x="connsiteX121" y="connsiteY121"/>
-                  </a:cxn>
-                  <a:cxn ang="0">
-                    <a:pos x="connsiteX122" y="connsiteY122"/>
-                  </a:cxn>
-                </a:cxnLst>
-                <a:rect l="l" t="t" r="r" b="b"/>
-                <a:pathLst>
-                  <a:path w="2350750" h="1231411">
-                    <a:moveTo>
-                      <a:pt x="582921" y="1231411"/>
-                    </a:moveTo>
-                    <a:lnTo>
-                      <a:pt x="614324" y="1231411"/>
-                    </a:lnTo>
-                    <a:lnTo>
-                      <a:pt x="825122" y="1231411"/>
-                    </a:lnTo>
-                    <a:lnTo>
-                      <a:pt x="858498" y="1231411"/>
-                    </a:lnTo>
-                    <a:lnTo>
-                      <a:pt x="891873" y="1231411"/>
-                    </a:lnTo>
-                    <a:lnTo>
-                      <a:pt x="1211447" y="1231411"/>
-                    </a:lnTo>
-                    <a:lnTo>
-                      <a:pt x="1247375" y="1231411"/>
-                    </a:lnTo>
-                    <a:lnTo>
-                      <a:pt x="1283246" y="1231411"/>
-                    </a:lnTo>
-                    <a:lnTo>
-                      <a:pt x="2350751" y="1231354"/>
-                    </a:lnTo>
-                    <a:lnTo>
-                      <a:pt x="2350751" y="976274"/>
-                    </a:lnTo>
-                    <a:lnTo>
-                      <a:pt x="2350751" y="940403"/>
-                    </a:lnTo>
-                    <a:lnTo>
-                      <a:pt x="2350751" y="904532"/>
-                    </a:lnTo>
-                    <a:lnTo>
-                      <a:pt x="2350751" y="867966"/>
-                    </a:lnTo>
-                    <a:lnTo>
-                      <a:pt x="2350751" y="834533"/>
-                    </a:lnTo>
-                    <a:lnTo>
-                      <a:pt x="2350751" y="801157"/>
-                    </a:lnTo>
-                    <a:lnTo>
-                      <a:pt x="2350751" y="653606"/>
-                    </a:lnTo>
-                    <a:lnTo>
-                      <a:pt x="2350751" y="622202"/>
-                    </a:lnTo>
-                    <a:lnTo>
-                      <a:pt x="2350751" y="590798"/>
-                    </a:lnTo>
-                    <a:lnTo>
-                      <a:pt x="2350751" y="361683"/>
-                    </a:lnTo>
-                    <a:lnTo>
-                      <a:pt x="2350751" y="331575"/>
-                    </a:lnTo>
-                    <a:lnTo>
-                      <a:pt x="2350751" y="301476"/>
-                    </a:lnTo>
-                    <a:lnTo>
-                      <a:pt x="2350751" y="0"/>
-                    </a:lnTo>
-                    <a:lnTo>
-                      <a:pt x="575320" y="57"/>
-                    </a:lnTo>
-                    <a:lnTo>
-                      <a:pt x="458305" y="57"/>
-                    </a:lnTo>
-                    <a:lnTo>
-                      <a:pt x="66284" y="57"/>
-                    </a:lnTo>
-                    <a:cubicBezTo>
-                      <a:pt x="29632" y="57"/>
-                      <a:pt x="0" y="29756"/>
-                      <a:pt x="0" y="66351"/>
-                    </a:cubicBezTo>
-                    <a:lnTo>
-                      <a:pt x="57" y="1231411"/>
-                    </a:lnTo>
-                    <a:lnTo>
-                      <a:pt x="249365" y="1231411"/>
-                    </a:lnTo>
-                    <a:lnTo>
-                      <a:pt x="279492" y="1231411"/>
-                    </a:lnTo>
-                    <a:lnTo>
-                      <a:pt x="309601" y="1231411"/>
-                    </a:lnTo>
-                    <a:lnTo>
-                      <a:pt x="551574" y="1231411"/>
-                    </a:lnTo>
-                    <a:lnTo>
-                      <a:pt x="582921" y="1231411"/>
-                    </a:lnTo>
-                    <a:close/>
-                    <a:moveTo>
-                      <a:pt x="2141096" y="1026700"/>
-                    </a:moveTo>
-                    <a:lnTo>
-                      <a:pt x="1422292" y="1026700"/>
-                    </a:lnTo>
-                    <a:lnTo>
-                      <a:pt x="1386421" y="1026700"/>
-                    </a:lnTo>
-                    <a:lnTo>
-                      <a:pt x="1350540" y="1026700"/>
-                    </a:lnTo>
-                    <a:lnTo>
-                      <a:pt x="1068324" y="1026700"/>
-                    </a:lnTo>
-                    <a:lnTo>
-                      <a:pt x="1068324" y="899598"/>
-                    </a:lnTo>
-                    <a:lnTo>
-                      <a:pt x="1436846" y="899598"/>
-                    </a:lnTo>
-                    <a:lnTo>
-                      <a:pt x="1472717" y="899598"/>
-                    </a:lnTo>
-                    <a:lnTo>
-                      <a:pt x="1508646" y="899598"/>
-                    </a:lnTo>
-                    <a:lnTo>
-                      <a:pt x="2141039" y="899598"/>
-                    </a:lnTo>
-                    <a:lnTo>
-                      <a:pt x="2141039" y="1026700"/>
-                    </a:lnTo>
-                    <a:lnTo>
-                      <a:pt x="2141096" y="1026700"/>
-                    </a:lnTo>
-                    <a:close/>
-                    <a:moveTo>
-                      <a:pt x="2141096" y="679752"/>
-                    </a:moveTo>
-                    <a:lnTo>
-                      <a:pt x="2115293" y="679752"/>
-                    </a:lnTo>
-                    <a:lnTo>
-                      <a:pt x="2050504" y="679752"/>
-                    </a:lnTo>
-                    <a:lnTo>
-                      <a:pt x="2019995" y="679752"/>
-                    </a:lnTo>
-                    <a:lnTo>
-                      <a:pt x="1985543" y="679752"/>
-                    </a:lnTo>
-                    <a:lnTo>
-                      <a:pt x="1967160" y="679752"/>
-                    </a:lnTo>
-                    <a:lnTo>
-                      <a:pt x="1914315" y="679752"/>
-                    </a:lnTo>
-                    <a:lnTo>
-                      <a:pt x="1658017" y="679752"/>
-                    </a:lnTo>
-                    <a:lnTo>
-                      <a:pt x="1622089" y="679752"/>
-                    </a:lnTo>
-                    <a:lnTo>
-                      <a:pt x="1586217" y="679752"/>
-                    </a:lnTo>
-                    <a:lnTo>
-                      <a:pt x="1176052" y="679752"/>
-                    </a:lnTo>
-                    <a:lnTo>
-                      <a:pt x="1142619" y="679752"/>
-                    </a:lnTo>
-                    <a:lnTo>
-                      <a:pt x="1109243" y="679752"/>
-                    </a:lnTo>
-                    <a:lnTo>
-                      <a:pt x="1068267" y="679752"/>
-                    </a:lnTo>
-                    <a:lnTo>
-                      <a:pt x="1068267" y="552640"/>
-                    </a:lnTo>
-                    <a:lnTo>
-                      <a:pt x="1174699" y="552640"/>
-                    </a:lnTo>
-                    <a:lnTo>
-                      <a:pt x="1208075" y="552640"/>
-                    </a:lnTo>
-                    <a:lnTo>
-                      <a:pt x="1241517" y="552640"/>
-                    </a:lnTo>
-                    <a:lnTo>
-                      <a:pt x="1672600" y="552640"/>
-                    </a:lnTo>
-                    <a:lnTo>
-                      <a:pt x="1708471" y="552640"/>
-                    </a:lnTo>
-                    <a:lnTo>
-                      <a:pt x="1738808" y="552640"/>
-                    </a:lnTo>
-                    <a:lnTo>
-                      <a:pt x="1780042" y="552640"/>
-                    </a:lnTo>
-                    <a:lnTo>
-                      <a:pt x="1803740" y="552640"/>
-                    </a:lnTo>
-                    <a:lnTo>
-                      <a:pt x="1832886" y="552640"/>
-                    </a:lnTo>
-                    <a:lnTo>
-                      <a:pt x="1868529" y="552640"/>
-                    </a:lnTo>
-                    <a:lnTo>
-                      <a:pt x="2057143" y="552640"/>
-                    </a:lnTo>
-                    <a:lnTo>
-                      <a:pt x="2141115" y="552640"/>
-                    </a:lnTo>
-                    <a:lnTo>
-                      <a:pt x="2141115" y="581501"/>
-                    </a:lnTo>
-                    <a:lnTo>
-                      <a:pt x="2141115" y="679752"/>
-                    </a:lnTo>
-                    <a:close/>
-                    <a:moveTo>
-                      <a:pt x="2141096" y="204740"/>
-                    </a:moveTo>
-                    <a:lnTo>
-                      <a:pt x="2141096" y="265843"/>
-                    </a:lnTo>
-                    <a:lnTo>
-                      <a:pt x="2141096" y="295942"/>
-                    </a:lnTo>
-                    <a:lnTo>
-                      <a:pt x="2141096" y="326069"/>
-                    </a:lnTo>
-                    <a:lnTo>
-                      <a:pt x="2141096" y="331813"/>
-                    </a:lnTo>
-                    <a:lnTo>
-                      <a:pt x="1597152" y="331813"/>
-                    </a:lnTo>
-                    <a:lnTo>
-                      <a:pt x="1505741" y="331813"/>
-                    </a:lnTo>
-                    <a:lnTo>
-                      <a:pt x="1439704" y="331813"/>
-                    </a:lnTo>
-                    <a:lnTo>
-                      <a:pt x="1414272" y="331813"/>
-                    </a:lnTo>
-                    <a:lnTo>
-                      <a:pt x="1374886" y="331813"/>
-                    </a:lnTo>
-                    <a:lnTo>
-                      <a:pt x="1321727" y="331813"/>
-                    </a:lnTo>
-                    <a:lnTo>
-                      <a:pt x="1288352" y="331813"/>
-                    </a:lnTo>
-                    <a:lnTo>
-                      <a:pt x="1068191" y="331813"/>
-                    </a:lnTo>
-                    <a:lnTo>
-                      <a:pt x="1068191" y="212912"/>
-                    </a:lnTo>
-                    <a:lnTo>
-                      <a:pt x="1068191" y="204740"/>
-                    </a:lnTo>
-                    <a:lnTo>
-                      <a:pt x="1135732" y="204740"/>
-                    </a:lnTo>
-                    <a:lnTo>
-                      <a:pt x="1227077" y="204740"/>
-                    </a:lnTo>
-                    <a:lnTo>
-                      <a:pt x="1425950" y="204740"/>
-                    </a:lnTo>
-                    <a:lnTo>
-                      <a:pt x="1603372" y="204740"/>
-                    </a:lnTo>
-                    <a:lnTo>
-                      <a:pt x="1780880" y="204740"/>
-                    </a:lnTo>
-                    <a:lnTo>
-                      <a:pt x="2141096" y="204740"/>
-                    </a:lnTo>
-                    <a:close/>
-                    <a:moveTo>
-                      <a:pt x="332651" y="1095604"/>
-                    </a:moveTo>
-                    <a:lnTo>
-                      <a:pt x="302514" y="1095604"/>
-                    </a:lnTo>
-                    <a:lnTo>
-                      <a:pt x="272348" y="1095604"/>
-                    </a:lnTo>
-                    <a:lnTo>
-                      <a:pt x="209683" y="1095604"/>
-                    </a:lnTo>
-                    <a:cubicBezTo>
-                      <a:pt x="209683" y="934831"/>
-                      <a:pt x="260547" y="791632"/>
-                      <a:pt x="339890" y="698021"/>
-                    </a:cubicBezTo>
-                    <a:cubicBezTo>
-                      <a:pt x="351406" y="684419"/>
-                      <a:pt x="363645" y="672179"/>
-                      <a:pt x="376342" y="660787"/>
-                    </a:cubicBezTo>
-                    <a:cubicBezTo>
-                      <a:pt x="387563" y="650691"/>
-                      <a:pt x="399164" y="641556"/>
-                      <a:pt x="411147" y="633355"/>
-                    </a:cubicBezTo>
-                    <a:cubicBezTo>
-                      <a:pt x="431644" y="619344"/>
-                      <a:pt x="453200" y="608181"/>
-                      <a:pt x="475640" y="600151"/>
-                    </a:cubicBezTo>
-                    <a:cubicBezTo>
-                      <a:pt x="456362" y="593017"/>
-                      <a:pt x="438121" y="583997"/>
-                      <a:pt x="421500" y="572424"/>
-                    </a:cubicBezTo>
-                    <a:cubicBezTo>
-                      <a:pt x="412099" y="565899"/>
-                      <a:pt x="403431" y="558394"/>
-                      <a:pt x="395049" y="550612"/>
-                    </a:cubicBezTo>
-                    <a:cubicBezTo>
-                      <a:pt x="385801" y="541944"/>
-                      <a:pt x="377533" y="532371"/>
-                      <a:pt x="369761" y="522341"/>
-                    </a:cubicBezTo>
-                    <a:cubicBezTo>
-                      <a:pt x="338090" y="481651"/>
-                      <a:pt x="318487" y="431254"/>
-                      <a:pt x="318487" y="375780"/>
-                    </a:cubicBezTo>
-                    <a:cubicBezTo>
-                      <a:pt x="318487" y="291132"/>
-                      <a:pt x="362560" y="217094"/>
-                      <a:pt x="428711" y="174374"/>
-                    </a:cubicBezTo>
-                    <a:cubicBezTo>
-                      <a:pt x="439293" y="167554"/>
-                      <a:pt x="450285" y="161496"/>
-                      <a:pt x="461858" y="156362"/>
-                    </a:cubicBezTo>
-                    <a:cubicBezTo>
-                      <a:pt x="472069" y="151867"/>
-                      <a:pt x="482889" y="148761"/>
-                      <a:pt x="493814" y="145752"/>
-                    </a:cubicBezTo>
-                    <a:cubicBezTo>
-                      <a:pt x="514483" y="139922"/>
-                      <a:pt x="535867" y="135826"/>
-                      <a:pt x="558422" y="135826"/>
-                    </a:cubicBezTo>
-                    <a:cubicBezTo>
-                      <a:pt x="690925" y="135826"/>
-                      <a:pt x="798357" y="243269"/>
-                      <a:pt x="798357" y="375771"/>
-                    </a:cubicBezTo>
-                    <a:cubicBezTo>
-                      <a:pt x="798357" y="479041"/>
-                      <a:pt x="732787" y="566299"/>
-                      <a:pt x="641271" y="600142"/>
-                    </a:cubicBezTo>
-                    <a:cubicBezTo>
-                      <a:pt x="678942" y="613629"/>
-                      <a:pt x="714146" y="635841"/>
-                      <a:pt x="745931" y="665531"/>
-                    </a:cubicBezTo>
-                    <a:cubicBezTo>
-                      <a:pt x="753875" y="673017"/>
-                      <a:pt x="761590" y="681018"/>
-                      <a:pt x="769163" y="689400"/>
-                    </a:cubicBezTo>
-                    <a:cubicBezTo>
-                      <a:pt x="776821" y="697954"/>
-                      <a:pt x="784184" y="706860"/>
-                      <a:pt x="791289" y="716309"/>
-                    </a:cubicBezTo>
-                    <a:cubicBezTo>
-                      <a:pt x="858774" y="805167"/>
-                      <a:pt x="902237" y="931716"/>
-                      <a:pt x="906418" y="1073563"/>
-                    </a:cubicBezTo>
-                    <a:cubicBezTo>
-                      <a:pt x="906647" y="1080926"/>
-                      <a:pt x="907171" y="1088174"/>
-                      <a:pt x="907171" y="1095651"/>
-                    </a:cubicBezTo>
-                    <a:lnTo>
-                      <a:pt x="895055" y="1095651"/>
-                    </a:lnTo>
-                    <a:lnTo>
-                      <a:pt x="661016" y="1095651"/>
-                    </a:lnTo>
-                    <a:lnTo>
-                      <a:pt x="629612" y="1095651"/>
-                    </a:lnTo>
-                    <a:lnTo>
-                      <a:pt x="598180" y="1095651"/>
-                    </a:lnTo>
-                    <a:lnTo>
-                      <a:pt x="332651" y="1095651"/>
-                    </a:lnTo>
-                    <a:lnTo>
-                      <a:pt x="332651" y="1095604"/>
-                    </a:lnTo>
-                    <a:close/>
-                  </a:path>
-                </a:pathLst>
-              </a:custGeom>
-              <a:solidFill>
-                <a:srgbClr val="000000"/>
-              </a:solidFill>
-              <a:ln w="9525" cap="flat">
-                <a:noFill/>
-                <a:prstDash val="solid"/>
-                <a:miter/>
-              </a:ln>
-            </p:spPr>
-            <p:txBody>
-              <a:bodyPr wrap="none" rtlCol="0" anchor="ctr" anchorCtr="0">
-                <a:noAutofit/>
-              </a:bodyPr>
-              <a:lstStyle/>
-              <a:p>
-                <a:pPr algn="ctr"/>
-                <a:endParaRPr lang="de-AT" sz="8000" spc="-400">
-                  <a:effectLst>
-                    <a:glow>
-                      <a:schemeClr val="bg1"/>
-                    </a:glow>
-                  </a:effectLst>
-                  <a:latin typeface="Calibri" panose="020F0502020204030204" pitchFamily="34" charset="0"/>
-                  <a:cs typeface="Calibri" panose="020F0502020204030204" pitchFamily="34" charset="0"/>
-                </a:endParaRPr>
-              </a:p>
-            </p:txBody>
-          </p:sp>
-        </p:grpSp>
+          </p:spPr>
+        </p:pic>
       </p:grpSp>
     </p:spTree>
     <p:extLst>

--- a/src/logo/Export-RecipientPermissions Logo.pptx
+++ b/src/logo/Export-RecipientPermissions Logo.pptx
@@ -272,7 +272,7 @@
           <a:p>
             <a:fld id="{C11841D6-B7FC-4F74-87D2-69F6AB48AF83}" type="datetimeFigureOut">
               <a:rPr lang="de-AT" smtClean="0"/>
-              <a:t>18.09.2022</a:t>
+              <a:t>19.09.2022</a:t>
             </a:fld>
             <a:endParaRPr lang="de-AT"/>
           </a:p>
@@ -472,7 +472,7 @@
           <a:p>
             <a:fld id="{C11841D6-B7FC-4F74-87D2-69F6AB48AF83}" type="datetimeFigureOut">
               <a:rPr lang="de-AT" smtClean="0"/>
-              <a:t>18.09.2022</a:t>
+              <a:t>19.09.2022</a:t>
             </a:fld>
             <a:endParaRPr lang="de-AT"/>
           </a:p>
@@ -682,7 +682,7 @@
           <a:p>
             <a:fld id="{C11841D6-B7FC-4F74-87D2-69F6AB48AF83}" type="datetimeFigureOut">
               <a:rPr lang="de-AT" smtClean="0"/>
-              <a:t>18.09.2022</a:t>
+              <a:t>19.09.2022</a:t>
             </a:fld>
             <a:endParaRPr lang="de-AT"/>
           </a:p>
@@ -882,7 +882,7 @@
           <a:p>
             <a:fld id="{C11841D6-B7FC-4F74-87D2-69F6AB48AF83}" type="datetimeFigureOut">
               <a:rPr lang="de-AT" smtClean="0"/>
-              <a:t>18.09.2022</a:t>
+              <a:t>19.09.2022</a:t>
             </a:fld>
             <a:endParaRPr lang="de-AT"/>
           </a:p>
@@ -1158,7 +1158,7 @@
           <a:p>
             <a:fld id="{C11841D6-B7FC-4F74-87D2-69F6AB48AF83}" type="datetimeFigureOut">
               <a:rPr lang="de-AT" smtClean="0"/>
-              <a:t>18.09.2022</a:t>
+              <a:t>19.09.2022</a:t>
             </a:fld>
             <a:endParaRPr lang="de-AT"/>
           </a:p>
@@ -1426,7 +1426,7 @@
           <a:p>
             <a:fld id="{C11841D6-B7FC-4F74-87D2-69F6AB48AF83}" type="datetimeFigureOut">
               <a:rPr lang="de-AT" smtClean="0"/>
-              <a:t>18.09.2022</a:t>
+              <a:t>19.09.2022</a:t>
             </a:fld>
             <a:endParaRPr lang="de-AT"/>
           </a:p>
@@ -1841,7 +1841,7 @@
           <a:p>
             <a:fld id="{C11841D6-B7FC-4F74-87D2-69F6AB48AF83}" type="datetimeFigureOut">
               <a:rPr lang="de-AT" smtClean="0"/>
-              <a:t>18.09.2022</a:t>
+              <a:t>19.09.2022</a:t>
             </a:fld>
             <a:endParaRPr lang="de-AT"/>
           </a:p>
@@ -1983,7 +1983,7 @@
           <a:p>
             <a:fld id="{C11841D6-B7FC-4F74-87D2-69F6AB48AF83}" type="datetimeFigureOut">
               <a:rPr lang="de-AT" smtClean="0"/>
-              <a:t>18.09.2022</a:t>
+              <a:t>19.09.2022</a:t>
             </a:fld>
             <a:endParaRPr lang="de-AT"/>
           </a:p>
@@ -2096,7 +2096,7 @@
           <a:p>
             <a:fld id="{C11841D6-B7FC-4F74-87D2-69F6AB48AF83}" type="datetimeFigureOut">
               <a:rPr lang="de-AT" smtClean="0"/>
-              <a:t>18.09.2022</a:t>
+              <a:t>19.09.2022</a:t>
             </a:fld>
             <a:endParaRPr lang="de-AT"/>
           </a:p>
@@ -2409,7 +2409,7 @@
           <a:p>
             <a:fld id="{C11841D6-B7FC-4F74-87D2-69F6AB48AF83}" type="datetimeFigureOut">
               <a:rPr lang="de-AT" smtClean="0"/>
-              <a:t>18.09.2022</a:t>
+              <a:t>19.09.2022</a:t>
             </a:fld>
             <a:endParaRPr lang="de-AT"/>
           </a:p>
@@ -2698,7 +2698,7 @@
           <a:p>
             <a:fld id="{C11841D6-B7FC-4F74-87D2-69F6AB48AF83}" type="datetimeFigureOut">
               <a:rPr lang="de-AT" smtClean="0"/>
-              <a:t>18.09.2022</a:t>
+              <a:t>19.09.2022</a:t>
             </a:fld>
             <a:endParaRPr lang="de-AT"/>
           </a:p>
@@ -2941,7 +2941,7 @@
           <a:p>
             <a:fld id="{C11841D6-B7FC-4F74-87D2-69F6AB48AF83}" type="datetimeFigureOut">
               <a:rPr lang="de-AT" smtClean="0"/>
-              <a:t>18.09.2022</a:t>
+              <a:t>19.09.2022</a:t>
             </a:fld>
             <a:endParaRPr lang="de-AT"/>
           </a:p>
@@ -3360,111 +3360,18 @@
       </p:grpSpPr>
       <p:grpSp>
         <p:nvGrpSpPr>
-          <p:cNvPr id="7" name="Gruppieren 6">
-            <a:extLst>
-              <a:ext uri="{FF2B5EF4-FFF2-40B4-BE49-F238E27FC236}">
-                <a16:creationId xmlns:a16="http://schemas.microsoft.com/office/drawing/2014/main" id="{2C7544AB-02BF-2A7A-A4FA-CE7047C01E4B}"/>
-              </a:ext>
-            </a:extLst>
-          </p:cNvPr>
+          <p:cNvPr id="9" name="Gruppieren 8"/>
           <p:cNvGrpSpPr/>
           <p:nvPr/>
         </p:nvGrpSpPr>
         <p:grpSpPr>
           <a:xfrm>
-            <a:off x="642425" y="2275230"/>
-            <a:ext cx="10907150" cy="2629220"/>
-            <a:chOff x="642425" y="2275230"/>
-            <a:chExt cx="10907150" cy="2629220"/>
+            <a:off x="1144328" y="2384088"/>
+            <a:ext cx="9903345" cy="2089825"/>
+            <a:chOff x="2037526" y="3067230"/>
+            <a:chExt cx="9903345" cy="2089825"/>
           </a:xfrm>
         </p:grpSpPr>
-        <p:sp>
-          <p:nvSpPr>
-            <p:cNvPr id="23" name="Textfeld 22">
-              <a:extLst>
-                <a:ext uri="{FF2B5EF4-FFF2-40B4-BE49-F238E27FC236}">
-                  <a16:creationId xmlns:a16="http://schemas.microsoft.com/office/drawing/2014/main" id="{3DA862C7-C262-4DE7-A47F-402A58FE69C2}"/>
-                </a:ext>
-              </a:extLst>
-            </p:cNvPr>
-            <p:cNvSpPr txBox="1"/>
-            <p:nvPr/>
-          </p:nvSpPr>
-          <p:spPr>
-            <a:xfrm>
-              <a:off x="642425" y="3673344"/>
-              <a:ext cx="10907150" cy="1231106"/>
-            </a:xfrm>
-            <a:prstGeom prst="rect">
-              <a:avLst/>
-            </a:prstGeom>
-            <a:noFill/>
-            <a:ln>
-              <a:noFill/>
-            </a:ln>
-            <a:effectLst>
-              <a:glow>
-                <a:schemeClr val="accent1">
-                  <a:alpha val="40000"/>
-                </a:schemeClr>
-              </a:glow>
-            </a:effectLst>
-          </p:spPr>
-          <p:txBody>
-            <a:bodyPr wrap="none" lIns="0" tIns="0" rIns="0" bIns="0" rtlCol="0" anchor="ctr" anchorCtr="0">
-              <a:noAutofit/>
-            </a:bodyPr>
-            <a:lstStyle/>
-            <a:p>
-              <a:pPr algn="ctr"/>
-              <a:r>
-                <a:rPr lang="de-AT" sz="8000" b="1" i="1" spc="-400" dirty="0">
-                  <a:ln w="12700">
-                    <a:noFill/>
-                  </a:ln>
-                  <a:effectLst>
-                    <a:glow rad="127000">
-                      <a:schemeClr val="bg1"/>
-                    </a:glow>
-                  </a:effectLst>
-                  <a:latin typeface="Calibri" panose="020F0502020204030204" pitchFamily="34" charset="0"/>
-                  <a:ea typeface="Verdana" panose="020B0604030504040204" pitchFamily="34" charset="0"/>
-                  <a:cs typeface="Calibri" panose="020F0502020204030204" pitchFamily="34" charset="0"/>
-                </a:rPr>
-                <a:t>Export-</a:t>
-              </a:r>
-              <a:r>
-                <a:rPr lang="de-AT" sz="8000" b="1" i="1" spc="-400" dirty="0" err="1">
-                  <a:ln w="12700">
-                    <a:noFill/>
-                  </a:ln>
-                  <a:effectLst>
-                    <a:glow rad="127000">
-                      <a:schemeClr val="bg1"/>
-                    </a:glow>
-                  </a:effectLst>
-                  <a:latin typeface="Calibri" panose="020F0502020204030204" pitchFamily="34" charset="0"/>
-                  <a:ea typeface="Verdana" panose="020B0604030504040204" pitchFamily="34" charset="0"/>
-                  <a:cs typeface="Calibri" panose="020F0502020204030204" pitchFamily="34" charset="0"/>
-                </a:rPr>
-                <a:t>RecipientPermissions</a:t>
-              </a:r>
-              <a:endParaRPr lang="de-AT" sz="8000" b="1" i="1" spc="-400" dirty="0">
-                <a:ln w="12700">
-                  <a:noFill/>
-                </a:ln>
-                <a:effectLst>
-                  <a:glow rad="127000">
-                    <a:schemeClr val="bg1"/>
-                  </a:glow>
-                </a:effectLst>
-                <a:latin typeface="Calibri" panose="020F0502020204030204" pitchFamily="34" charset="0"/>
-                <a:ea typeface="Verdana" panose="020B0604030504040204" pitchFamily="34" charset="0"/>
-                <a:cs typeface="Calibri" panose="020F0502020204030204" pitchFamily="34" charset="0"/>
-              </a:endParaRPr>
-            </a:p>
-          </p:txBody>
-        </p:sp>
         <p:pic>
           <p:nvPicPr>
             <p:cNvPr id="4" name="Grafik 3">
@@ -3480,13 +3387,13 @@
             <p:nvPr/>
           </p:nvPicPr>
           <p:blipFill>
-            <a:blip r:embed="rId2">
+            <a:blip r:embed="rId2" cstate="hqprint">
               <a:extLst>
                 <a:ext uri="{28A0092B-C50C-407E-A947-70E740481C1C}">
                   <a14:useLocalDpi xmlns:a14="http://schemas.microsoft.com/office/drawing/2010/main" val="0"/>
                 </a:ext>
                 <a:ext uri="{96DAC541-7B7A-43D3-8B79-37D633B846F1}">
-                  <asvg:svgBlip xmlns:asvg="http://schemas.microsoft.com/office/drawing/2016/SVG/main" r:embed="rId3"/>
+                  <asvg:svgBlip xmlns:asvg="http://schemas.microsoft.com/office/drawing/2016/SVG/main" xmlns="" r:embed="rId3"/>
                 </a:ext>
               </a:extLst>
             </a:blip>
@@ -3496,8 +3403,8 @@
           </p:blipFill>
           <p:spPr>
             <a:xfrm>
-              <a:off x="6240530" y="2275230"/>
-              <a:ext cx="1595972" cy="1584000"/>
+              <a:off x="2037526" y="3239820"/>
+              <a:ext cx="1802905" cy="1789380"/>
             </a:xfrm>
             <a:prstGeom prst="rect">
               <a:avLst/>
@@ -3509,6 +3416,161 @@
             </a:effectLst>
           </p:spPr>
         </p:pic>
+        <p:grpSp>
+          <p:nvGrpSpPr>
+            <p:cNvPr id="3" name="Gruppieren 2"/>
+            <p:cNvGrpSpPr/>
+            <p:nvPr/>
+          </p:nvGrpSpPr>
+          <p:grpSpPr>
+            <a:xfrm>
+              <a:off x="3955581" y="3067230"/>
+              <a:ext cx="7985290" cy="2089825"/>
+              <a:chOff x="427190" y="3645912"/>
+              <a:chExt cx="7985290" cy="2089825"/>
+            </a:xfrm>
+          </p:grpSpPr>
+          <p:sp>
+            <p:nvSpPr>
+              <p:cNvPr id="23" name="Textfeld 22">
+                <a:extLst>
+                  <a:ext uri="{FF2B5EF4-FFF2-40B4-BE49-F238E27FC236}">
+                    <a16:creationId xmlns:a16="http://schemas.microsoft.com/office/drawing/2014/main" id="{3DA862C7-C262-4DE7-A47F-402A58FE69C2}"/>
+                  </a:ext>
+                </a:extLst>
+              </p:cNvPr>
+              <p:cNvSpPr txBox="1"/>
+              <p:nvPr/>
+            </p:nvSpPr>
+            <p:spPr>
+              <a:xfrm>
+                <a:off x="427190" y="3645912"/>
+                <a:ext cx="7985290" cy="1231106"/>
+              </a:xfrm>
+              <a:prstGeom prst="rect">
+                <a:avLst/>
+              </a:prstGeom>
+              <a:noFill/>
+              <a:ln>
+                <a:noFill/>
+              </a:ln>
+              <a:effectLst>
+                <a:glow>
+                  <a:schemeClr val="accent1">
+                    <a:alpha val="40000"/>
+                  </a:schemeClr>
+                </a:glow>
+              </a:effectLst>
+            </p:spPr>
+            <p:txBody>
+              <a:bodyPr wrap="none" lIns="0" tIns="0" rIns="0" bIns="0" rtlCol="0" anchor="ctr" anchorCtr="0">
+                <a:noAutofit/>
+              </a:bodyPr>
+              <a:lstStyle/>
+              <a:p>
+                <a:r>
+                  <a:rPr lang="de-AT" sz="8000" b="1" i="1" spc="-400" dirty="0" smtClean="0">
+                    <a:ln w="12700">
+                      <a:noFill/>
+                    </a:ln>
+                    <a:effectLst>
+                      <a:glow rad="127000">
+                        <a:schemeClr val="bg1"/>
+                      </a:glow>
+                    </a:effectLst>
+                    <a:latin typeface="Calibri" panose="020F0502020204030204" pitchFamily="34" charset="0"/>
+                    <a:ea typeface="Verdana" panose="020B0604030504040204" pitchFamily="34" charset="0"/>
+                    <a:cs typeface="Calibri" panose="020F0502020204030204" pitchFamily="34" charset="0"/>
+                  </a:rPr>
+                  <a:t>Export-</a:t>
+                </a:r>
+                <a:endParaRPr lang="de-AT" sz="8000" b="1" i="1" spc="-400" dirty="0">
+                  <a:ln w="12700">
+                    <a:noFill/>
+                  </a:ln>
+                  <a:effectLst>
+                    <a:glow rad="127000">
+                      <a:schemeClr val="bg1"/>
+                    </a:glow>
+                  </a:effectLst>
+                  <a:latin typeface="Calibri" panose="020F0502020204030204" pitchFamily="34" charset="0"/>
+                  <a:ea typeface="Verdana" panose="020B0604030504040204" pitchFamily="34" charset="0"/>
+                  <a:cs typeface="Calibri" panose="020F0502020204030204" pitchFamily="34" charset="0"/>
+                </a:endParaRPr>
+              </a:p>
+            </p:txBody>
+          </p:sp>
+          <p:sp>
+            <p:nvSpPr>
+              <p:cNvPr id="6" name="Textfeld 5">
+                <a:extLst>
+                  <a:ext uri="{FF2B5EF4-FFF2-40B4-BE49-F238E27FC236}">
+                    <a16:creationId xmlns:a16="http://schemas.microsoft.com/office/drawing/2014/main" id="{3DA862C7-C262-4DE7-A47F-402A58FE69C2}"/>
+                  </a:ext>
+                </a:extLst>
+              </p:cNvPr>
+              <p:cNvSpPr txBox="1"/>
+              <p:nvPr/>
+            </p:nvSpPr>
+            <p:spPr>
+              <a:xfrm>
+                <a:off x="427190" y="4504631"/>
+                <a:ext cx="7985290" cy="1231106"/>
+              </a:xfrm>
+              <a:prstGeom prst="rect">
+                <a:avLst/>
+              </a:prstGeom>
+              <a:noFill/>
+              <a:ln>
+                <a:noFill/>
+              </a:ln>
+              <a:effectLst>
+                <a:glow>
+                  <a:schemeClr val="accent1">
+                    <a:alpha val="40000"/>
+                  </a:schemeClr>
+                </a:glow>
+              </a:effectLst>
+            </p:spPr>
+            <p:txBody>
+              <a:bodyPr wrap="none" lIns="0" tIns="0" rIns="0" bIns="0" rtlCol="0" anchor="ctr" anchorCtr="0">
+                <a:noAutofit/>
+              </a:bodyPr>
+              <a:lstStyle/>
+              <a:p>
+                <a:r>
+                  <a:rPr lang="de-AT" sz="8000" b="1" i="1" spc="-400" dirty="0" err="1" smtClean="0">
+                    <a:ln w="12700">
+                      <a:noFill/>
+                    </a:ln>
+                    <a:effectLst>
+                      <a:glow rad="127000">
+                        <a:schemeClr val="bg1"/>
+                      </a:glow>
+                    </a:effectLst>
+                    <a:latin typeface="Calibri" panose="020F0502020204030204" pitchFamily="34" charset="0"/>
+                    <a:ea typeface="Verdana" panose="020B0604030504040204" pitchFamily="34" charset="0"/>
+                    <a:cs typeface="Calibri" panose="020F0502020204030204" pitchFamily="34" charset="0"/>
+                  </a:rPr>
+                  <a:t>RecipientPermissions</a:t>
+                </a:r>
+                <a:endParaRPr lang="de-AT" sz="8000" b="1" i="1" spc="-400" dirty="0">
+                  <a:ln w="12700">
+                    <a:noFill/>
+                  </a:ln>
+                  <a:effectLst>
+                    <a:glow rad="127000">
+                      <a:schemeClr val="bg1"/>
+                    </a:glow>
+                  </a:effectLst>
+                  <a:latin typeface="Calibri" panose="020F0502020204030204" pitchFamily="34" charset="0"/>
+                  <a:ea typeface="Verdana" panose="020B0604030504040204" pitchFamily="34" charset="0"/>
+                  <a:cs typeface="Calibri" panose="020F0502020204030204" pitchFamily="34" charset="0"/>
+                </a:endParaRPr>
+              </a:p>
+            </p:txBody>
+          </p:sp>
+        </p:grpSp>
       </p:grpSp>
     </p:spTree>
     <p:extLst>

--- a/src/logo/Export-RecipientPermissions Logo.pptx
+++ b/src/logo/Export-RecipientPermissions Logo.pptx
@@ -3360,16 +3360,16 @@
       </p:grpSpPr>
       <p:grpSp>
         <p:nvGrpSpPr>
-          <p:cNvPr id="9" name="Gruppieren 8"/>
+          <p:cNvPr id="2" name="Gruppieren 1"/>
           <p:cNvGrpSpPr/>
           <p:nvPr/>
         </p:nvGrpSpPr>
         <p:grpSpPr>
           <a:xfrm>
-            <a:off x="1144328" y="2384088"/>
-            <a:ext cx="9903345" cy="2089825"/>
-            <a:chOff x="2037526" y="3067230"/>
-            <a:chExt cx="9903345" cy="2089825"/>
+            <a:off x="1201903" y="2384088"/>
+            <a:ext cx="9788195" cy="2089825"/>
+            <a:chOff x="3062383" y="2384088"/>
+            <a:chExt cx="9788195" cy="2089825"/>
           </a:xfrm>
         </p:grpSpPr>
         <p:pic>
@@ -3393,7 +3393,7 @@
                   <a14:useLocalDpi xmlns:a14="http://schemas.microsoft.com/office/drawing/2010/main" val="0"/>
                 </a:ext>
                 <a:ext uri="{96DAC541-7B7A-43D3-8B79-37D633B846F1}">
-                  <asvg:svgBlip xmlns:asvg="http://schemas.microsoft.com/office/drawing/2016/SVG/main" xmlns="" r:embed="rId3"/>
+                  <asvg:svgBlip xmlns="" xmlns:asvg="http://schemas.microsoft.com/office/drawing/2016/SVG/main" r:embed="rId3"/>
                 </a:ext>
               </a:extLst>
             </a:blip>
@@ -3403,7 +3403,7 @@
           </p:blipFill>
           <p:spPr>
             <a:xfrm>
-              <a:off x="2037526" y="3239820"/>
+              <a:off x="11047673" y="2556678"/>
               <a:ext cx="1802905" cy="1789380"/>
             </a:xfrm>
             <a:prstGeom prst="rect">
@@ -3424,7 +3424,7 @@
           </p:nvGrpSpPr>
           <p:grpSpPr>
             <a:xfrm>
-              <a:off x="3955581" y="3067230"/>
+              <a:off x="3062383" y="2384088"/>
               <a:ext cx="7985290" cy="2089825"/>
               <a:chOff x="427190" y="3645912"/>
               <a:chExt cx="7985290" cy="2089825"/>
